--- a/2022Clusters/Presentation1.pptx
+++ b/2022Clusters/Presentation1.pptx
@@ -3760,7 +3760,7 @@
         </p:nvSpPr>
         <p:spPr>
           <a:xfrm>
-            <a:off x="1523999" y="4404925"/>
+            <a:off x="1518422" y="4700588"/>
             <a:ext cx="9144000" cy="1655762"/>
           </a:xfrm>
         </p:spPr>
@@ -3901,6 +3901,118 @@
         <p:spPr>
           <a:xfrm>
             <a:off x="6095999" y="6721475"/>
+            <a:ext cx="6095999" cy="141525"/>
+          </a:xfrm>
+          <a:prstGeom prst="rect">
+            <a:avLst/>
+          </a:prstGeom>
+          <a:solidFill>
+            <a:schemeClr val="accent1">
+              <a:lumMod val="75000"/>
+            </a:schemeClr>
+          </a:solidFill>
+          <a:ln>
+            <a:solidFill>
+              <a:schemeClr val="tx1"/>
+            </a:solidFill>
+          </a:ln>
+        </p:spPr>
+        <p:style>
+          <a:lnRef idx="2">
+            <a:schemeClr val="accent1">
+              <a:shade val="50000"/>
+            </a:schemeClr>
+          </a:lnRef>
+          <a:fillRef idx="1">
+            <a:schemeClr val="accent1"/>
+          </a:fillRef>
+          <a:effectRef idx="0">
+            <a:schemeClr val="accent1"/>
+          </a:effectRef>
+          <a:fontRef idx="minor">
+            <a:schemeClr val="lt1"/>
+          </a:fontRef>
+        </p:style>
+        <p:txBody>
+          <a:bodyPr rtlCol="0" anchor="ctr"/>
+          <a:lstStyle/>
+          <a:p>
+            <a:pPr algn="ctr"/>
+            <a:endParaRPr lang="en-US"/>
+          </a:p>
+        </p:txBody>
+      </p:sp>
+      <p:sp>
+        <p:nvSpPr>
+          <p:cNvPr id="8" name="Rectangle 7">
+            <a:extLst>
+              <a:ext uri="{FF2B5EF4-FFF2-40B4-BE49-F238E27FC236}">
+                <a16:creationId xmlns:a16="http://schemas.microsoft.com/office/drawing/2014/main" id="{FF1A0514-E37F-534C-851B-09823B6FFBB3}"/>
+              </a:ext>
+            </a:extLst>
+          </p:cNvPr>
+          <p:cNvSpPr/>
+          <p:nvPr/>
+        </p:nvSpPr>
+        <p:spPr>
+          <a:xfrm>
+            <a:off x="-11153" y="-5000"/>
+            <a:ext cx="12203151" cy="141525"/>
+          </a:xfrm>
+          <a:prstGeom prst="rect">
+            <a:avLst/>
+          </a:prstGeom>
+          <a:solidFill>
+            <a:schemeClr val="accent4">
+              <a:lumMod val="75000"/>
+            </a:schemeClr>
+          </a:solidFill>
+          <a:ln>
+            <a:solidFill>
+              <a:schemeClr val="tx1"/>
+            </a:solidFill>
+          </a:ln>
+        </p:spPr>
+        <p:style>
+          <a:lnRef idx="2">
+            <a:schemeClr val="accent1">
+              <a:shade val="50000"/>
+            </a:schemeClr>
+          </a:lnRef>
+          <a:fillRef idx="1">
+            <a:schemeClr val="accent1"/>
+          </a:fillRef>
+          <a:effectRef idx="0">
+            <a:schemeClr val="accent1"/>
+          </a:effectRef>
+          <a:fontRef idx="minor">
+            <a:schemeClr val="lt1"/>
+          </a:fontRef>
+        </p:style>
+        <p:txBody>
+          <a:bodyPr rtlCol="0" anchor="ctr"/>
+          <a:lstStyle/>
+          <a:p>
+            <a:pPr algn="ctr"/>
+            <a:endParaRPr lang="en-US"/>
+          </a:p>
+        </p:txBody>
+      </p:sp>
+      <p:sp>
+        <p:nvSpPr>
+          <p:cNvPr id="9" name="Rectangle 8">
+            <a:extLst>
+              <a:ext uri="{FF2B5EF4-FFF2-40B4-BE49-F238E27FC236}">
+                <a16:creationId xmlns:a16="http://schemas.microsoft.com/office/drawing/2014/main" id="{9A53912D-A3E6-5A40-83E2-E496FB957921}"/>
+              </a:ext>
+            </a:extLst>
+          </p:cNvPr>
+          <p:cNvSpPr/>
+          <p:nvPr/>
+        </p:nvSpPr>
+        <p:spPr>
+          <a:xfrm>
+            <a:off x="6095999" y="-5000"/>
             <a:ext cx="6095999" cy="141525"/>
           </a:xfrm>
           <a:prstGeom prst="rect">
@@ -4864,6 +4976,87 @@
           </a:p>
         </p:txBody>
       </p:sp>
+      <p:sp>
+        <p:nvSpPr>
+          <p:cNvPr id="17" name="TextBox 16">
+            <a:extLst>
+              <a:ext uri="{FF2B5EF4-FFF2-40B4-BE49-F238E27FC236}">
+                <a16:creationId xmlns:a16="http://schemas.microsoft.com/office/drawing/2014/main" id="{ADAFBD3F-3F6C-8247-B1D3-CD25765E9C47}"/>
+              </a:ext>
+            </a:extLst>
+          </p:cNvPr>
+          <p:cNvSpPr txBox="1"/>
+          <p:nvPr/>
+        </p:nvSpPr>
+        <p:spPr>
+          <a:xfrm>
+            <a:off x="-11153" y="6283231"/>
+            <a:ext cx="11024147" cy="430887"/>
+          </a:xfrm>
+          <a:prstGeom prst="rect">
+            <a:avLst/>
+          </a:prstGeom>
+          <a:noFill/>
+        </p:spPr>
+        <p:txBody>
+          <a:bodyPr wrap="square" rtlCol="0">
+            <a:spAutoFit/>
+          </a:bodyPr>
+          <a:lstStyle/>
+          <a:p>
+            <a:r>
+              <a:rPr lang="en-US" sz="1100" dirty="0"/>
+              <a:t>FLASH: Fryxell et al. (2000) with FERVENT: </a:t>
+            </a:r>
+            <a:r>
+              <a:rPr lang="en-US" sz="1100" dirty="0" err="1"/>
+              <a:t>Baczynski</a:t>
+            </a:r>
+            <a:r>
+              <a:rPr lang="en-US" sz="1100" dirty="0"/>
+              <a:t>, Glover, and </a:t>
+            </a:r>
+            <a:r>
+              <a:rPr lang="en-US" sz="1100" dirty="0" err="1"/>
+              <a:t>Klessen</a:t>
+            </a:r>
+            <a:r>
+              <a:rPr lang="en-US" sz="1100" dirty="0"/>
+              <a:t> (2015)</a:t>
+            </a:r>
+          </a:p>
+          <a:p>
+            <a:r>
+              <a:rPr lang="en-US" sz="1100" dirty="0"/>
+              <a:t>AMUSE: </a:t>
+            </a:r>
+            <a:r>
+              <a:rPr lang="en-US" sz="1100" dirty="0" err="1"/>
+              <a:t>Portegies</a:t>
+            </a:r>
+            <a:r>
+              <a:rPr lang="en-US" sz="1100" dirty="0"/>
+              <a:t> Zwart et al. (2009, 2013); </a:t>
+            </a:r>
+            <a:r>
+              <a:rPr lang="en-US" sz="1100" dirty="0" err="1"/>
+              <a:t>Pelupessy</a:t>
+            </a:r>
+            <a:r>
+              <a:rPr lang="en-US" sz="1100" dirty="0"/>
+              <a:t> et al. (2013); </a:t>
+            </a:r>
+            <a:r>
+              <a:rPr lang="en-US" sz="1100" dirty="0" err="1"/>
+              <a:t>Portegies</a:t>
+            </a:r>
+            <a:r>
+              <a:rPr lang="en-US" sz="1100" dirty="0"/>
+              <a:t> Zwart &amp; McMillan (2019)</a:t>
+            </a:r>
+          </a:p>
+        </p:txBody>
+      </p:sp>
     </p:spTree>
     <p:extLst>
       <p:ext uri="{BB962C8B-B14F-4D97-AF65-F5344CB8AC3E}">
@@ -5563,38 +5756,6 @@
       </p:sp>
       <p:sp>
         <p:nvSpPr>
-          <p:cNvPr id="2" name="Title 1">
-            <a:extLst>
-              <a:ext uri="{FF2B5EF4-FFF2-40B4-BE49-F238E27FC236}">
-                <a16:creationId xmlns:a16="http://schemas.microsoft.com/office/drawing/2014/main" id="{F070C32C-AAC7-6142-9FA0-038C34759DD9}"/>
-              </a:ext>
-            </a:extLst>
-          </p:cNvPr>
-          <p:cNvSpPr>
-            <a:spLocks noGrp="1"/>
-          </p:cNvSpPr>
-          <p:nvPr>
-            <p:ph type="title"/>
-          </p:nvPr>
-        </p:nvSpPr>
-        <p:spPr>
-          <a:xfrm>
-            <a:off x="128239" y="22302"/>
-            <a:ext cx="12550698" cy="1325563"/>
-          </a:xfrm>
-        </p:spPr>
-        <p:txBody>
-          <a:bodyPr>
-            <a:normAutofit/>
-          </a:bodyPr>
-          <a:lstStyle/>
-          <a:p>
-            <a:endParaRPr lang="en-US" dirty="0"/>
-          </a:p>
-        </p:txBody>
-      </p:sp>
-      <p:sp>
-        <p:nvSpPr>
           <p:cNvPr id="8" name="Rectangle 7">
             <a:extLst>
               <a:ext uri="{FF2B5EF4-FFF2-40B4-BE49-F238E27FC236}">
@@ -5895,7 +6056,7 @@
         </p:nvSpPr>
         <p:spPr>
           <a:xfrm>
-            <a:off x="367185" y="1592412"/>
+            <a:off x="6541245" y="1548209"/>
             <a:ext cx="5350476" cy="5447645"/>
           </a:xfrm>
           <a:prstGeom prst="rect">
@@ -6062,7 +6223,7 @@
         </p:nvSpPr>
         <p:spPr>
           <a:xfrm>
-            <a:off x="6474341" y="1592412"/>
+            <a:off x="434093" y="1548209"/>
             <a:ext cx="5350476" cy="4616648"/>
           </a:xfrm>
           <a:prstGeom prst="rect">
@@ -6187,6 +6348,84 @@
   <p:clrMapOvr>
     <a:masterClrMapping/>
   </p:clrMapOvr>
+  <p:timing>
+    <p:tnLst>
+      <p:par>
+        <p:cTn id="1" dur="indefinite" restart="never" nodeType="tmRoot">
+          <p:childTnLst>
+            <p:seq concurrent="1" nextAc="seek">
+              <p:cTn id="2" dur="indefinite" nodeType="mainSeq">
+                <p:childTnLst>
+                  <p:par>
+                    <p:cTn id="3" fill="hold">
+                      <p:stCondLst>
+                        <p:cond delay="indefinite"/>
+                      </p:stCondLst>
+                      <p:childTnLst>
+                        <p:par>
+                          <p:cTn id="4" fill="hold">
+                            <p:stCondLst>
+                              <p:cond delay="0"/>
+                            </p:stCondLst>
+                            <p:childTnLst>
+                              <p:par>
+                                <p:cTn id="5" presetID="1" presetClass="entr" presetSubtype="0" fill="hold" grpId="0" nodeType="clickEffect">
+                                  <p:stCondLst>
+                                    <p:cond delay="0"/>
+                                  </p:stCondLst>
+                                  <p:childTnLst>
+                                    <p:set>
+                                      <p:cBhvr>
+                                        <p:cTn id="6" dur="1" fill="hold">
+                                          <p:stCondLst>
+                                            <p:cond delay="0"/>
+                                          </p:stCondLst>
+                                        </p:cTn>
+                                        <p:tgtEl>
+                                          <p:spTgt spid="3"/>
+                                        </p:tgtEl>
+                                        <p:attrNameLst>
+                                          <p:attrName>style.visibility</p:attrName>
+                                        </p:attrNameLst>
+                                      </p:cBhvr>
+                                      <p:to>
+                                        <p:strVal val="visible"/>
+                                      </p:to>
+                                    </p:set>
+                                  </p:childTnLst>
+                                </p:cTn>
+                              </p:par>
+                            </p:childTnLst>
+                          </p:cTn>
+                        </p:par>
+                      </p:childTnLst>
+                    </p:cTn>
+                  </p:par>
+                </p:childTnLst>
+              </p:cTn>
+              <p:prevCondLst>
+                <p:cond evt="onPrev" delay="0">
+                  <p:tgtEl>
+                    <p:sldTgt/>
+                  </p:tgtEl>
+                </p:cond>
+              </p:prevCondLst>
+              <p:nextCondLst>
+                <p:cond evt="onNext" delay="0">
+                  <p:tgtEl>
+                    <p:sldTgt/>
+                  </p:tgtEl>
+                </p:cond>
+              </p:nextCondLst>
+            </p:seq>
+          </p:childTnLst>
+        </p:cTn>
+      </p:par>
+    </p:tnLst>
+    <p:bldLst>
+      <p:bldP spid="3" grpId="0"/>
+    </p:bldLst>
+  </p:timing>
 </p:sld>
 </file>
 
@@ -6409,6 +6648,118 @@
               <a:rPr lang="en-US" sz="1200" dirty="0"/>
               <a:t>NASA, ESA, Hubble Heritage Team</a:t>
             </a:r>
+          </a:p>
+        </p:txBody>
+      </p:sp>
+      <p:sp>
+        <p:nvSpPr>
+          <p:cNvPr id="17" name="Rectangle 16">
+            <a:extLst>
+              <a:ext uri="{FF2B5EF4-FFF2-40B4-BE49-F238E27FC236}">
+                <a16:creationId xmlns:a16="http://schemas.microsoft.com/office/drawing/2014/main" id="{070F1C9F-41AD-CF40-AA29-C1BA7993B207}"/>
+              </a:ext>
+            </a:extLst>
+          </p:cNvPr>
+          <p:cNvSpPr/>
+          <p:nvPr/>
+        </p:nvSpPr>
+        <p:spPr>
+          <a:xfrm>
+            <a:off x="-11151" y="-12173"/>
+            <a:ext cx="12203151" cy="141525"/>
+          </a:xfrm>
+          <a:prstGeom prst="rect">
+            <a:avLst/>
+          </a:prstGeom>
+          <a:solidFill>
+            <a:schemeClr val="accent4">
+              <a:lumMod val="75000"/>
+            </a:schemeClr>
+          </a:solidFill>
+          <a:ln>
+            <a:solidFill>
+              <a:schemeClr val="tx1"/>
+            </a:solidFill>
+          </a:ln>
+        </p:spPr>
+        <p:style>
+          <a:lnRef idx="2">
+            <a:schemeClr val="accent1">
+              <a:shade val="50000"/>
+            </a:schemeClr>
+          </a:lnRef>
+          <a:fillRef idx="1">
+            <a:schemeClr val="accent1"/>
+          </a:fillRef>
+          <a:effectRef idx="0">
+            <a:schemeClr val="accent1"/>
+          </a:effectRef>
+          <a:fontRef idx="minor">
+            <a:schemeClr val="lt1"/>
+          </a:fontRef>
+        </p:style>
+        <p:txBody>
+          <a:bodyPr rtlCol="0" anchor="ctr"/>
+          <a:lstStyle/>
+          <a:p>
+            <a:pPr algn="ctr"/>
+            <a:endParaRPr lang="en-US"/>
+          </a:p>
+        </p:txBody>
+      </p:sp>
+      <p:sp>
+        <p:nvSpPr>
+          <p:cNvPr id="18" name="Rectangle 17">
+            <a:extLst>
+              <a:ext uri="{FF2B5EF4-FFF2-40B4-BE49-F238E27FC236}">
+                <a16:creationId xmlns:a16="http://schemas.microsoft.com/office/drawing/2014/main" id="{807B237A-D90F-7442-BBA6-C648ED335191}"/>
+              </a:ext>
+            </a:extLst>
+          </p:cNvPr>
+          <p:cNvSpPr/>
+          <p:nvPr/>
+        </p:nvSpPr>
+        <p:spPr>
+          <a:xfrm>
+            <a:off x="6096001" y="-12173"/>
+            <a:ext cx="6095999" cy="141525"/>
+          </a:xfrm>
+          <a:prstGeom prst="rect">
+            <a:avLst/>
+          </a:prstGeom>
+          <a:solidFill>
+            <a:schemeClr val="accent1">
+              <a:lumMod val="75000"/>
+            </a:schemeClr>
+          </a:solidFill>
+          <a:ln>
+            <a:solidFill>
+              <a:schemeClr val="tx1"/>
+            </a:solidFill>
+          </a:ln>
+        </p:spPr>
+        <p:style>
+          <a:lnRef idx="2">
+            <a:schemeClr val="accent1">
+              <a:shade val="50000"/>
+            </a:schemeClr>
+          </a:lnRef>
+          <a:fillRef idx="1">
+            <a:schemeClr val="accent1"/>
+          </a:fillRef>
+          <a:effectRef idx="0">
+            <a:schemeClr val="accent1"/>
+          </a:effectRef>
+          <a:fontRef idx="minor">
+            <a:schemeClr val="lt1"/>
+          </a:fontRef>
+        </p:style>
+        <p:txBody>
+          <a:bodyPr rtlCol="0" anchor="ctr"/>
+          <a:lstStyle/>
+          <a:p>
+            <a:pPr algn="ctr"/>
+            <a:endParaRPr lang="en-US"/>
           </a:p>
         </p:txBody>
       </p:sp>
@@ -6456,8 +6807,8 @@
         </p:nvSpPr>
         <p:spPr>
           <a:xfrm>
-            <a:off x="-11153" y="266849"/>
-            <a:ext cx="12203153" cy="848273"/>
+            <a:off x="-11153" y="266848"/>
+            <a:ext cx="12203153" cy="950976"/>
           </a:xfrm>
           <a:prstGeom prst="rect">
             <a:avLst/>
@@ -6515,7 +6866,7 @@
         </p:nvSpPr>
         <p:spPr>
           <a:xfrm>
-            <a:off x="128239" y="22302"/>
+            <a:off x="128239" y="71542"/>
             <a:ext cx="10515600" cy="1325563"/>
           </a:xfrm>
         </p:spPr>
@@ -6525,14 +6876,22 @@
           <a:p>
             <a:r>
               <a:rPr lang="en-US" dirty="0"/>
-              <a:t>A Controlled Experiment</a:t>
+              <a:t>Early Forming Massive Stars</a:t>
             </a:r>
             <a:br>
               <a:rPr lang="en-US" dirty="0"/>
             </a:br>
             <a:r>
-              <a:rPr lang="en-US" sz="2000" dirty="0"/>
-              <a:t>Using the Torch computational framework</a:t>
+              <a:rPr lang="en-US" sz="2400" dirty="0"/>
+              <a:t>Comparing Four </a:t>
+            </a:r>
+            <a:r>
+              <a:rPr lang="en-US" sz="2400" b="1" i="1" dirty="0"/>
+              <a:t>Torch</a:t>
+            </a:r>
+            <a:r>
+              <a:rPr lang="en-US" sz="2400" dirty="0"/>
+              <a:t> Simulations</a:t>
             </a:r>
             <a:endParaRPr lang="en-US" dirty="0"/>
           </a:p>
@@ -6560,8 +6919,8 @@
         </p:blipFill>
         <p:spPr>
           <a:xfrm>
-            <a:off x="430428" y="1689899"/>
-            <a:ext cx="5871519" cy="5031576"/>
+            <a:off x="489347" y="1564194"/>
+            <a:ext cx="5665571" cy="4855090"/>
           </a:xfrm>
           <a:prstGeom prst="rect">
             <a:avLst/>
@@ -6590,8 +6949,8 @@
         </p:blipFill>
         <p:spPr>
           <a:xfrm>
-            <a:off x="6973480" y="1730563"/>
-            <a:ext cx="4613419" cy="4625787"/>
+            <a:off x="7058544" y="1604700"/>
+            <a:ext cx="4372122" cy="4383843"/>
           </a:xfrm>
           <a:prstGeom prst="rect">
             <a:avLst/>
@@ -6668,8 +7027,8 @@
         </p:nvSpPr>
         <p:spPr>
           <a:xfrm>
-            <a:off x="6096000" y="-11151"/>
-            <a:ext cx="6095999" cy="271849"/>
+            <a:off x="6096000" y="0"/>
+            <a:ext cx="6096000" cy="260698"/>
           </a:xfrm>
           <a:prstGeom prst="rect">
             <a:avLst/>
@@ -6759,7 +7118,7 @@
         </p:nvSpPr>
         <p:spPr>
           <a:xfrm>
-            <a:off x="1315844" y="1265953"/>
+            <a:off x="1392973" y="1252796"/>
             <a:ext cx="3858321" cy="369332"/>
           </a:xfrm>
           <a:prstGeom prst="rect">
@@ -6794,7 +7153,7 @@
         </p:nvSpPr>
         <p:spPr>
           <a:xfrm>
-            <a:off x="8205440" y="1306617"/>
+            <a:off x="8205440" y="1252796"/>
             <a:ext cx="3858321" cy="369332"/>
           </a:xfrm>
           <a:prstGeom prst="rect">
@@ -6953,6 +7312,79 @@
           <a:p>
             <a:pPr algn="ctr"/>
             <a:endParaRPr lang="en-US"/>
+          </a:p>
+        </p:txBody>
+      </p:sp>
+      <p:sp>
+        <p:nvSpPr>
+          <p:cNvPr id="19" name="TextBox 18">
+            <a:extLst>
+              <a:ext uri="{FF2B5EF4-FFF2-40B4-BE49-F238E27FC236}">
+                <a16:creationId xmlns:a16="http://schemas.microsoft.com/office/drawing/2014/main" id="{5279A090-A89C-2D4C-8E24-8E743E844DBB}"/>
+              </a:ext>
+            </a:extLst>
+          </p:cNvPr>
+          <p:cNvSpPr txBox="1"/>
+          <p:nvPr/>
+        </p:nvSpPr>
+        <p:spPr>
+          <a:xfrm>
+            <a:off x="-25569" y="6340301"/>
+            <a:ext cx="11024147" cy="430887"/>
+          </a:xfrm>
+          <a:prstGeom prst="rect">
+            <a:avLst/>
+          </a:prstGeom>
+          <a:noFill/>
+        </p:spPr>
+        <p:txBody>
+          <a:bodyPr wrap="square" rtlCol="0">
+            <a:spAutoFit/>
+          </a:bodyPr>
+          <a:lstStyle/>
+          <a:p>
+            <a:r>
+              <a:rPr lang="en-US" sz="1050" dirty="0"/>
+              <a:t>Torch: Wall, McMillan, Mac Low, </a:t>
+            </a:r>
+            <a:r>
+              <a:rPr lang="en-US" sz="1050" dirty="0" err="1"/>
+              <a:t>Klessen</a:t>
+            </a:r>
+            <a:r>
+              <a:rPr lang="en-US" sz="1050" dirty="0"/>
+              <a:t>, and </a:t>
+            </a:r>
+            <a:r>
+              <a:rPr lang="en-US" sz="1050" dirty="0" err="1"/>
+              <a:t>Portegies</a:t>
+            </a:r>
+            <a:r>
+              <a:rPr lang="en-US" sz="1050" dirty="0"/>
+              <a:t> Zwart (2019); </a:t>
+            </a:r>
+          </a:p>
+          <a:p>
+            <a:r>
+              <a:rPr lang="en-US" sz="1050" dirty="0"/>
+              <a:t>Wall, Mac Low, McMillan, </a:t>
+            </a:r>
+            <a:r>
+              <a:rPr lang="en-US" sz="1050" dirty="0" err="1"/>
+              <a:t>Klessen</a:t>
+            </a:r>
+            <a:r>
+              <a:rPr lang="en-US" sz="1050" dirty="0"/>
+              <a:t>, </a:t>
+            </a:r>
+            <a:r>
+              <a:rPr lang="en-US" sz="1050" dirty="0" err="1"/>
+              <a:t>Portegies</a:t>
+            </a:r>
+            <a:r>
+              <a:rPr lang="en-US" sz="1050" dirty="0"/>
+              <a:t> Zwart, and Pellegrino (2020)</a:t>
+            </a:r>
           </a:p>
         </p:txBody>
       </p:sp>
@@ -7000,8 +7432,8 @@
         </p:nvSpPr>
         <p:spPr>
           <a:xfrm>
-            <a:off x="-11153" y="266849"/>
-            <a:ext cx="12203153" cy="848273"/>
+            <a:off x="-11153" y="266848"/>
+            <a:ext cx="12203153" cy="950976"/>
           </a:xfrm>
           <a:prstGeom prst="rect">
             <a:avLst/>
@@ -7059,7 +7491,7 @@
         </p:nvSpPr>
         <p:spPr>
           <a:xfrm>
-            <a:off x="128239" y="22302"/>
+            <a:off x="142102" y="79554"/>
             <a:ext cx="10515600" cy="1325563"/>
           </a:xfrm>
         </p:spPr>
@@ -7069,14 +7501,14 @@
           <a:p>
             <a:r>
               <a:rPr lang="en-US" dirty="0"/>
-              <a:t>A Controlled Experiment</a:t>
+              <a:t>Early Forming Massive Stars</a:t>
             </a:r>
             <a:br>
               <a:rPr lang="en-US" dirty="0"/>
             </a:br>
             <a:r>
-              <a:rPr lang="en-US" sz="2000" dirty="0"/>
-              <a:t>Using the Torch computational framework</a:t>
+              <a:rPr lang="en-US" sz="2400" dirty="0"/>
+              <a:t>Rapidly Unbind GMC Gas</a:t>
             </a:r>
             <a:endParaRPr lang="en-US" dirty="0"/>
           </a:p>
@@ -7475,7 +7907,7 @@
         <p:spPr>
           <a:xfrm>
             <a:off x="-11153" y="266849"/>
-            <a:ext cx="12203153" cy="848273"/>
+            <a:ext cx="12203153" cy="950976"/>
           </a:xfrm>
           <a:prstGeom prst="rect">
             <a:avLst/>
@@ -7533,7 +7965,7 @@
         </p:nvSpPr>
         <p:spPr>
           <a:xfrm>
-            <a:off x="128239" y="22302"/>
+            <a:off x="128239" y="71831"/>
             <a:ext cx="10515600" cy="1325563"/>
           </a:xfrm>
         </p:spPr>
@@ -7543,14 +7975,14 @@
           <a:p>
             <a:r>
               <a:rPr lang="en-US" dirty="0"/>
-              <a:t>A Controlled Experiment</a:t>
+              <a:t>Early Forming Massive Stars</a:t>
             </a:r>
             <a:br>
               <a:rPr lang="en-US" dirty="0"/>
             </a:br>
             <a:r>
-              <a:rPr lang="en-US" sz="2000" dirty="0"/>
-              <a:t>Using the Torch computational framework</a:t>
+              <a:rPr lang="en-US" sz="2400" dirty="0"/>
+              <a:t>Suppress Gas Accretion and Star Formation</a:t>
             </a:r>
             <a:endParaRPr lang="en-US" dirty="0"/>
           </a:p>
@@ -7949,7 +8381,7 @@
         <p:spPr>
           <a:xfrm>
             <a:off x="-11153" y="266849"/>
-            <a:ext cx="12203153" cy="848273"/>
+            <a:ext cx="12203153" cy="948516"/>
           </a:xfrm>
           <a:prstGeom prst="rect">
             <a:avLst/>
@@ -8007,7 +8439,7 @@
         </p:nvSpPr>
         <p:spPr>
           <a:xfrm>
-            <a:off x="128239" y="22302"/>
+            <a:off x="128239" y="65968"/>
             <a:ext cx="10515600" cy="1325563"/>
           </a:xfrm>
         </p:spPr>
@@ -8017,14 +8449,14 @@
           <a:p>
             <a:r>
               <a:rPr lang="en-US" dirty="0"/>
-              <a:t>A Controlled Experiment</a:t>
+              <a:t>Early Forming Massive Stars</a:t>
             </a:r>
             <a:br>
               <a:rPr lang="en-US" dirty="0"/>
             </a:br>
             <a:r>
-              <a:rPr lang="en-US" sz="2000" dirty="0"/>
-              <a:t>Using the Torch computational framework</a:t>
+              <a:rPr lang="en-US" sz="2400" dirty="0"/>
+              <a:t>Suppress Gas Accretion and Star Formation</a:t>
             </a:r>
             <a:endParaRPr lang="en-US" dirty="0"/>
           </a:p>
@@ -8348,6 +8780,36 @@
           </a:p>
         </p:txBody>
       </p:sp>
+      <p:pic>
+        <p:nvPicPr>
+          <p:cNvPr id="6" name="Picture 5">
+            <a:extLst>
+              <a:ext uri="{FF2B5EF4-FFF2-40B4-BE49-F238E27FC236}">
+                <a16:creationId xmlns:a16="http://schemas.microsoft.com/office/drawing/2014/main" id="{C9031AF8-E21A-1B47-847D-B204669A7277}"/>
+              </a:ext>
+            </a:extLst>
+          </p:cNvPr>
+          <p:cNvPicPr>
+            <a:picLocks noChangeAspect="1"/>
+          </p:cNvPicPr>
+          <p:nvPr/>
+        </p:nvPicPr>
+        <p:blipFill>
+          <a:blip r:embed="rId3"/>
+          <a:stretch>
+            <a:fillRect/>
+          </a:stretch>
+        </p:blipFill>
+        <p:spPr>
+          <a:xfrm>
+            <a:off x="7289798" y="2302532"/>
+            <a:ext cx="3708400" cy="3009900"/>
+          </a:xfrm>
+          <a:prstGeom prst="rect">
+            <a:avLst/>
+          </a:prstGeom>
+        </p:spPr>
+      </p:pic>
     </p:spTree>
     <p:extLst>
       <p:ext uri="{BB962C8B-B14F-4D97-AF65-F5344CB8AC3E}">
@@ -8393,7 +8855,7 @@
         <p:spPr>
           <a:xfrm>
             <a:off x="-11153" y="266849"/>
-            <a:ext cx="12203153" cy="848273"/>
+            <a:ext cx="12203153" cy="939491"/>
           </a:xfrm>
           <a:prstGeom prst="rect">
             <a:avLst/>
@@ -8451,7 +8913,7 @@
         </p:nvSpPr>
         <p:spPr>
           <a:xfrm>
-            <a:off x="128239" y="22302"/>
+            <a:off x="128239" y="71611"/>
             <a:ext cx="10515600" cy="1325563"/>
           </a:xfrm>
         </p:spPr>
@@ -8461,14 +8923,14 @@
           <a:p>
             <a:r>
               <a:rPr lang="en-US" dirty="0"/>
-              <a:t>A Controlled Experiment</a:t>
+              <a:t>Early Forming Massive Stars</a:t>
             </a:r>
             <a:br>
               <a:rPr lang="en-US" dirty="0"/>
             </a:br>
             <a:r>
-              <a:rPr lang="en-US" sz="2000" dirty="0"/>
-              <a:t>Using the Torch computational framework</a:t>
+              <a:rPr lang="en-US" sz="2400" dirty="0"/>
+              <a:t>Promote Formation of Fragmented, Low Mass, Loosely Bound Clusters</a:t>
             </a:r>
             <a:endParaRPr lang="en-US" dirty="0"/>
           </a:p>
@@ -8792,6 +9254,36 @@
           </a:p>
         </p:txBody>
       </p:sp>
+      <p:pic>
+        <p:nvPicPr>
+          <p:cNvPr id="6" name="Picture 5">
+            <a:extLst>
+              <a:ext uri="{FF2B5EF4-FFF2-40B4-BE49-F238E27FC236}">
+                <a16:creationId xmlns:a16="http://schemas.microsoft.com/office/drawing/2014/main" id="{56E70661-6650-B444-8DA7-38D8ACF0983B}"/>
+              </a:ext>
+            </a:extLst>
+          </p:cNvPr>
+          <p:cNvPicPr>
+            <a:picLocks noChangeAspect="1"/>
+          </p:cNvPicPr>
+          <p:nvPr/>
+        </p:nvPicPr>
+        <p:blipFill>
+          <a:blip r:embed="rId3"/>
+          <a:stretch>
+            <a:fillRect/>
+          </a:stretch>
+        </p:blipFill>
+        <p:spPr>
+          <a:xfrm>
+            <a:off x="6288643" y="2917200"/>
+            <a:ext cx="5710709" cy="1553999"/>
+          </a:xfrm>
+          <a:prstGeom prst="rect">
+            <a:avLst/>
+          </a:prstGeom>
+        </p:spPr>
+      </p:pic>
     </p:spTree>
     <p:extLst>
       <p:ext uri="{BB962C8B-B14F-4D97-AF65-F5344CB8AC3E}">
@@ -9650,6 +10142,95 @@
           <a:p>
             <a:pPr algn="ctr"/>
             <a:endParaRPr lang="en-US"/>
+          </a:p>
+        </p:txBody>
+      </p:sp>
+      <p:sp>
+        <p:nvSpPr>
+          <p:cNvPr id="6" name="TextBox 5">
+            <a:extLst>
+              <a:ext uri="{FF2B5EF4-FFF2-40B4-BE49-F238E27FC236}">
+                <a16:creationId xmlns:a16="http://schemas.microsoft.com/office/drawing/2014/main" id="{D9DB43D3-EAC6-3D48-B434-B8DA0B735DB0}"/>
+              </a:ext>
+            </a:extLst>
+          </p:cNvPr>
+          <p:cNvSpPr txBox="1"/>
+          <p:nvPr/>
+        </p:nvSpPr>
+        <p:spPr>
+          <a:xfrm>
+            <a:off x="838200" y="5965512"/>
+            <a:ext cx="11024147" cy="523220"/>
+          </a:xfrm>
+          <a:prstGeom prst="rect">
+            <a:avLst/>
+          </a:prstGeom>
+          <a:noFill/>
+        </p:spPr>
+        <p:txBody>
+          <a:bodyPr wrap="square" rtlCol="0">
+            <a:spAutoFit/>
+          </a:bodyPr>
+          <a:lstStyle/>
+          <a:p>
+            <a:r>
+              <a:rPr lang="en-US" sz="1400" dirty="0"/>
+              <a:t>Data from: Li, </a:t>
+            </a:r>
+            <a:r>
+              <a:rPr lang="en-US" sz="1400" dirty="0" err="1"/>
+              <a:t>Vogelsberger</a:t>
+            </a:r>
+            <a:r>
+              <a:rPr lang="en-US" sz="1400" dirty="0"/>
+              <a:t>, </a:t>
+            </a:r>
+            <a:r>
+              <a:rPr lang="en-US" sz="1400" dirty="0" err="1"/>
+              <a:t>Marinacci</a:t>
+            </a:r>
+            <a:r>
+              <a:rPr lang="en-US" sz="1400" dirty="0"/>
+              <a:t>, Sales, and Torrey (2020)</a:t>
+            </a:r>
+          </a:p>
+          <a:p>
+            <a:r>
+              <a:rPr lang="en-US" sz="1400" dirty="0"/>
+              <a:t>Using AREPO (</a:t>
+            </a:r>
+            <a:r>
+              <a:rPr lang="en-US" sz="1400" dirty="0" err="1"/>
+              <a:t>Springel</a:t>
+            </a:r>
+            <a:r>
+              <a:rPr lang="en-US" sz="1400" dirty="0"/>
+              <a:t> 2010) with SMUGGLE (</a:t>
+            </a:r>
+            <a:r>
+              <a:rPr lang="en-US" sz="1400" dirty="0" err="1"/>
+              <a:t>Marinacci</a:t>
+            </a:r>
+            <a:r>
+              <a:rPr lang="en-US" sz="1400" dirty="0"/>
+              <a:t>, Sales, </a:t>
+            </a:r>
+            <a:r>
+              <a:rPr lang="en-US" sz="1400" dirty="0" err="1"/>
+              <a:t>Vogelsberger</a:t>
+            </a:r>
+            <a:r>
+              <a:rPr lang="en-US" sz="1400" dirty="0"/>
+              <a:t>, Torrey, and </a:t>
+            </a:r>
+            <a:r>
+              <a:rPr lang="en-US" sz="1400" dirty="0" err="1"/>
+              <a:t>Springel</a:t>
+            </a:r>
+            <a:r>
+              <a:rPr lang="en-US" sz="1400" dirty="0"/>
+              <a:t> 2019)</a:t>
+            </a:r>
           </a:p>
         </p:txBody>
       </p:sp>

--- a/2022Clusters/Presentation1.pptx
+++ b/2022Clusters/Presentation1.pptx
@@ -469,6 +469,120 @@
     </a:lvl9pPr>
   </p:notesStyle>
 </p:notesMaster>
+</file>
+
+<file path=ppt/notesSlides/notesSlide1.xml><?xml version="1.0" encoding="utf-8"?>
+<p:notes xmlns:a="http://schemas.openxmlformats.org/drawingml/2006/main" xmlns:r="http://schemas.openxmlformats.org/officeDocument/2006/relationships" xmlns:p="http://schemas.openxmlformats.org/presentationml/2006/main">
+  <p:cSld>
+    <p:spTree>
+      <p:nvGrpSpPr>
+        <p:cNvPr id="1" name=""/>
+        <p:cNvGrpSpPr/>
+        <p:nvPr/>
+      </p:nvGrpSpPr>
+      <p:grpSpPr>
+        <a:xfrm>
+          <a:off x="0" y="0"/>
+          <a:ext cx="0" cy="0"/>
+          <a:chOff x="0" y="0"/>
+          <a:chExt cx="0" cy="0"/>
+        </a:xfrm>
+      </p:grpSpPr>
+      <p:sp>
+        <p:nvSpPr>
+          <p:cNvPr id="2" name="Slide Image Placeholder 1"/>
+          <p:cNvSpPr>
+            <a:spLocks noGrp="1" noRot="1" noChangeAspect="1"/>
+          </p:cNvSpPr>
+          <p:nvPr>
+            <p:ph type="sldImg"/>
+          </p:nvPr>
+        </p:nvSpPr>
+        <p:spPr/>
+      </p:sp>
+      <p:sp>
+        <p:nvSpPr>
+          <p:cNvPr id="3" name="Notes Placeholder 2"/>
+          <p:cNvSpPr>
+            <a:spLocks noGrp="1"/>
+          </p:cNvSpPr>
+          <p:nvPr>
+            <p:ph type="body" idx="1"/>
+          </p:nvPr>
+        </p:nvSpPr>
+        <p:spPr/>
+        <p:txBody>
+          <a:bodyPr/>
+          <a:lstStyle/>
+          <a:p>
+            <a:pPr marL="285750" indent="-285750">
+              <a:buFont typeface="Arial" panose="020B0604020202020204" pitchFamily="34" charset="0"/>
+              <a:buChar char="•"/>
+            </a:pPr>
+            <a:r>
+              <a:rPr lang="en-US" dirty="0"/>
+              <a:t>Disrupt the gas structure, resulting in earlier unbinding of GMC.</a:t>
+            </a:r>
+          </a:p>
+          <a:p>
+            <a:pPr marL="285750" indent="-285750">
+              <a:buFont typeface="Arial" panose="020B0604020202020204" pitchFamily="34" charset="0"/>
+              <a:buChar char="•"/>
+            </a:pPr>
+            <a:r>
+              <a:rPr lang="en-US" dirty="0"/>
+              <a:t>Suppress SFR per free-fall time by up to a factor of seven, reducing the total mass of stars formed.</a:t>
+            </a:r>
+          </a:p>
+          <a:p>
+            <a:pPr marL="285750" indent="-285750">
+              <a:buFont typeface="Arial" panose="020B0604020202020204" pitchFamily="34" charset="0"/>
+              <a:buChar char="•"/>
+            </a:pPr>
+            <a:r>
+              <a:rPr lang="en-US" dirty="0"/>
+              <a:t>Stifle the hierarchical assembly of massive star clusters; promoting the formation of spatially separate and more loosely bound subclusters.</a:t>
+            </a:r>
+          </a:p>
+          <a:p>
+            <a:endParaRPr lang="en-US" dirty="0"/>
+          </a:p>
+        </p:txBody>
+      </p:sp>
+      <p:sp>
+        <p:nvSpPr>
+          <p:cNvPr id="4" name="Slide Number Placeholder 3"/>
+          <p:cNvSpPr>
+            <a:spLocks noGrp="1"/>
+          </p:cNvSpPr>
+          <p:nvPr>
+            <p:ph type="sldNum" sz="quarter" idx="5"/>
+          </p:nvPr>
+        </p:nvSpPr>
+        <p:spPr/>
+        <p:txBody>
+          <a:bodyPr/>
+          <a:lstStyle/>
+          <a:p>
+            <a:fld id="{C87113AB-446C-CB43-B9B7-3A1483D0EE6C}" type="slidenum">
+              <a:rPr lang="en-US" smtClean="0"/>
+              <a:t>8</a:t>
+            </a:fld>
+            <a:endParaRPr lang="en-US"/>
+          </a:p>
+        </p:txBody>
+      </p:sp>
+    </p:spTree>
+    <p:extLst>
+      <p:ext uri="{BB962C8B-B14F-4D97-AF65-F5344CB8AC3E}">
+        <p14:creationId xmlns:p14="http://schemas.microsoft.com/office/powerpoint/2010/main" val="138973100"/>
+      </p:ext>
+    </p:extLst>
+  </p:cSld>
+  <p:clrMapOvr>
+    <a:masterClrMapping/>
+  </p:clrMapOvr>
+</p:notes>
 </file>
 
 <file path=ppt/slideLayouts/slideLayout1.xml><?xml version="1.0" encoding="utf-8"?>
@@ -3686,6 +3800,37 @@
           <a:chExt cx="0" cy="0"/>
         </a:xfrm>
       </p:grpSpPr>
+      <p:pic>
+        <p:nvPicPr>
+          <p:cNvPr id="10" name="Picture 9" descr="A picture containing outdoor object, star&#10;&#10;Description automatically generated">
+            <a:extLst>
+              <a:ext uri="{FF2B5EF4-FFF2-40B4-BE49-F238E27FC236}">
+                <a16:creationId xmlns:a16="http://schemas.microsoft.com/office/drawing/2014/main" id="{7B729150-909B-374E-B64D-8AE1A44C6C1C}"/>
+              </a:ext>
+            </a:extLst>
+          </p:cNvPr>
+          <p:cNvPicPr>
+            <a:picLocks noChangeAspect="1"/>
+          </p:cNvPicPr>
+          <p:nvPr/>
+        </p:nvPicPr>
+        <p:blipFill rotWithShape="1">
+          <a:blip r:embed="rId2">
+            <a:alphaModFix amt="85000"/>
+          </a:blip>
+          <a:srcRect l="-1" t="17640" r="891" b="6968"/>
+          <a:stretch/>
+        </p:blipFill>
+        <p:spPr>
+          <a:xfrm>
+            <a:off x="-115370" y="-1044895"/>
+            <a:ext cx="12411583" cy="8947790"/>
+          </a:xfrm>
+          <a:prstGeom prst="rect">
+            <a:avLst/>
+          </a:prstGeom>
+        </p:spPr>
+      </p:pic>
       <p:sp>
         <p:nvSpPr>
           <p:cNvPr id="2" name="Title 1">
@@ -3704,9 +3849,12 @@
         </p:nvSpPr>
         <p:spPr>
           <a:xfrm>
-            <a:off x="722969" y="1465146"/>
-            <a:ext cx="10746059" cy="2387600"/>
-          </a:xfrm>
+            <a:off x="722969" y="985838"/>
+            <a:ext cx="10746059" cy="2866908"/>
+          </a:xfrm>
+          <a:solidFill>
+            <a:schemeClr val="bg1"/>
+          </a:solidFill>
         </p:spPr>
         <p:txBody>
           <a:bodyPr>
@@ -3761,8 +3909,11 @@
         <p:spPr>
           <a:xfrm>
             <a:off x="1518422" y="4700588"/>
-            <a:ext cx="9144000" cy="1655762"/>
-          </a:xfrm>
+            <a:ext cx="9144000" cy="714375"/>
+          </a:xfrm>
+          <a:solidFill>
+            <a:schemeClr val="bg1"/>
+          </a:solidFill>
         </p:spPr>
         <p:txBody>
           <a:bodyPr>
@@ -3771,8 +3922,18 @@
           <a:lstStyle/>
           <a:p>
             <a:r>
+              <a:rPr lang="en-US" sz="1800" u="sng" dirty="0"/>
+              <a:t>Sean C. Lewis</a:t>
+            </a:r>
+            <a:r>
               <a:rPr lang="en-US" sz="1800" dirty="0"/>
-              <a:t>Sean C. Lewis, Stephen McMillan, Mordecai-Mark Mac Low, Claude Cournoyer-Cloutier, Brooke </a:t>
+              <a:t>, Stephen McMillan, Mordecai-Mark Mac Low, Claude Cournoyer-Cloutier, </a:t>
+            </a:r>
+          </a:p>
+          <a:p>
+            <a:r>
+              <a:rPr lang="en-US" sz="1800" dirty="0"/>
+              <a:t>Brooke </a:t>
             </a:r>
             <a:r>
               <a:rPr lang="en-US" sz="1800" dirty="0" err="1"/>
@@ -9329,7 +9490,7 @@
         <p:spPr>
           <a:xfrm>
             <a:off x="-11153" y="266849"/>
-            <a:ext cx="12203153" cy="848273"/>
+            <a:ext cx="12203153" cy="950976"/>
           </a:xfrm>
           <a:prstGeom prst="rect">
             <a:avLst/>
@@ -9387,7 +9548,7 @@
         </p:nvSpPr>
         <p:spPr>
           <a:xfrm>
-            <a:off x="128239" y="22302"/>
+            <a:off x="128239" y="93156"/>
             <a:ext cx="10515600" cy="1325563"/>
           </a:xfrm>
         </p:spPr>
@@ -9397,14 +9558,14 @@
           <a:p>
             <a:r>
               <a:rPr lang="en-US" dirty="0"/>
-              <a:t>Conclusion 1</a:t>
+              <a:t>Early Forming Massive Stars</a:t>
             </a:r>
             <a:br>
               <a:rPr lang="en-US" dirty="0"/>
             </a:br>
             <a:r>
-              <a:rPr lang="en-US" sz="2000" dirty="0"/>
-              <a:t>Using the Torch computational framework</a:t>
+              <a:rPr lang="en-US" sz="2400" dirty="0"/>
+              <a:t>Conclusions</a:t>
             </a:r>
             <a:endParaRPr lang="en-US" dirty="0"/>
           </a:p>
@@ -9695,6 +9856,200 @@
           <a:p>
             <a:pPr algn="ctr"/>
             <a:endParaRPr lang="en-US"/>
+          </a:p>
+        </p:txBody>
+      </p:sp>
+      <p:pic>
+        <p:nvPicPr>
+          <p:cNvPr id="15" name="Picture 14" descr="A screenshot of a computer&#10;&#10;Description automatically generated with low confidence">
+            <a:extLst>
+              <a:ext uri="{FF2B5EF4-FFF2-40B4-BE49-F238E27FC236}">
+                <a16:creationId xmlns:a16="http://schemas.microsoft.com/office/drawing/2014/main" id="{F16DFD3C-97D7-B94A-84AC-7F51E58B7688}"/>
+              </a:ext>
+            </a:extLst>
+          </p:cNvPr>
+          <p:cNvPicPr>
+            <a:picLocks noChangeAspect="1"/>
+          </p:cNvPicPr>
+          <p:nvPr/>
+        </p:nvPicPr>
+        <p:blipFill rotWithShape="1">
+          <a:blip r:embed="rId3"/>
+          <a:srcRect l="8534" t="1296" r="14065" b="9064"/>
+          <a:stretch/>
+        </p:blipFill>
+        <p:spPr>
+          <a:xfrm>
+            <a:off x="430426" y="2257347"/>
+            <a:ext cx="3285074" cy="3260374"/>
+          </a:xfrm>
+          <a:prstGeom prst="rect">
+            <a:avLst/>
+          </a:prstGeom>
+        </p:spPr>
+      </p:pic>
+      <p:pic>
+        <p:nvPicPr>
+          <p:cNvPr id="16" name="Picture 15" descr="Chart, line chart&#10;&#10;Description automatically generated">
+            <a:extLst>
+              <a:ext uri="{FF2B5EF4-FFF2-40B4-BE49-F238E27FC236}">
+                <a16:creationId xmlns:a16="http://schemas.microsoft.com/office/drawing/2014/main" id="{B1214DF3-11FD-7A45-A610-777E63C797F6}"/>
+              </a:ext>
+            </a:extLst>
+          </p:cNvPr>
+          <p:cNvPicPr>
+            <a:picLocks noChangeAspect="1"/>
+          </p:cNvPicPr>
+          <p:nvPr/>
+        </p:nvPicPr>
+        <p:blipFill rotWithShape="1">
+          <a:blip r:embed="rId4"/>
+          <a:srcRect l="16101" t="1459" b="10111"/>
+          <a:stretch/>
+        </p:blipFill>
+        <p:spPr>
+          <a:xfrm>
+            <a:off x="4398674" y="2257346"/>
+            <a:ext cx="3383496" cy="3260375"/>
+          </a:xfrm>
+          <a:prstGeom prst="rect">
+            <a:avLst/>
+          </a:prstGeom>
+        </p:spPr>
+      </p:pic>
+      <p:pic>
+        <p:nvPicPr>
+          <p:cNvPr id="17" name="Picture 16" descr="Chart, scatter chart&#10;&#10;Description automatically generated">
+            <a:extLst>
+              <a:ext uri="{FF2B5EF4-FFF2-40B4-BE49-F238E27FC236}">
+                <a16:creationId xmlns:a16="http://schemas.microsoft.com/office/drawing/2014/main" id="{D8858E3E-E900-9542-BC9D-3E8A7ACB0816}"/>
+              </a:ext>
+            </a:extLst>
+          </p:cNvPr>
+          <p:cNvPicPr>
+            <a:picLocks noChangeAspect="1"/>
+          </p:cNvPicPr>
+          <p:nvPr/>
+        </p:nvPicPr>
+        <p:blipFill rotWithShape="1">
+          <a:blip r:embed="rId5"/>
+          <a:srcRect l="9649" t="-1334" b="7855"/>
+          <a:stretch/>
+        </p:blipFill>
+        <p:spPr>
+          <a:xfrm>
+            <a:off x="8476502" y="2162432"/>
+            <a:ext cx="3419207" cy="3401022"/>
+          </a:xfrm>
+          <a:prstGeom prst="rect">
+            <a:avLst/>
+          </a:prstGeom>
+        </p:spPr>
+      </p:pic>
+      <p:sp>
+        <p:nvSpPr>
+          <p:cNvPr id="3" name="TextBox 2">
+            <a:extLst>
+              <a:ext uri="{FF2B5EF4-FFF2-40B4-BE49-F238E27FC236}">
+                <a16:creationId xmlns:a16="http://schemas.microsoft.com/office/drawing/2014/main" id="{A4461524-DACA-F246-A71D-6453CE0EC1C6}"/>
+              </a:ext>
+            </a:extLst>
+          </p:cNvPr>
+          <p:cNvSpPr txBox="1"/>
+          <p:nvPr/>
+        </p:nvSpPr>
+        <p:spPr>
+          <a:xfrm>
+            <a:off x="530311" y="1793100"/>
+            <a:ext cx="3085304" cy="369332"/>
+          </a:xfrm>
+          <a:prstGeom prst="rect">
+            <a:avLst/>
+          </a:prstGeom>
+          <a:noFill/>
+        </p:spPr>
+        <p:txBody>
+          <a:bodyPr wrap="square" rtlCol="0">
+            <a:spAutoFit/>
+          </a:bodyPr>
+          <a:lstStyle/>
+          <a:p>
+            <a:r>
+              <a:rPr lang="en-US" dirty="0"/>
+              <a:t>Gas Disruption and Unbinding</a:t>
+            </a:r>
+          </a:p>
+        </p:txBody>
+      </p:sp>
+      <p:sp>
+        <p:nvSpPr>
+          <p:cNvPr id="18" name="TextBox 17">
+            <a:extLst>
+              <a:ext uri="{FF2B5EF4-FFF2-40B4-BE49-F238E27FC236}">
+                <a16:creationId xmlns:a16="http://schemas.microsoft.com/office/drawing/2014/main" id="{BA5B65C4-CB0F-8A4F-851A-3778EB98EE71}"/>
+              </a:ext>
+            </a:extLst>
+          </p:cNvPr>
+          <p:cNvSpPr txBox="1"/>
+          <p:nvPr/>
+        </p:nvSpPr>
+        <p:spPr>
+          <a:xfrm>
+            <a:off x="4547770" y="1567857"/>
+            <a:ext cx="3085304" cy="646331"/>
+          </a:xfrm>
+          <a:prstGeom prst="rect">
+            <a:avLst/>
+          </a:prstGeom>
+          <a:noFill/>
+        </p:spPr>
+        <p:txBody>
+          <a:bodyPr wrap="square" rtlCol="0">
+            <a:spAutoFit/>
+          </a:bodyPr>
+          <a:lstStyle/>
+          <a:p>
+            <a:pPr algn="ctr"/>
+            <a:r>
+              <a:rPr lang="en-US" dirty="0"/>
+              <a:t>Star Formation Rate and Cumulative Star Suppression</a:t>
+            </a:r>
+          </a:p>
+        </p:txBody>
+      </p:sp>
+      <p:sp>
+        <p:nvSpPr>
+          <p:cNvPr id="19" name="TextBox 18">
+            <a:extLst>
+              <a:ext uri="{FF2B5EF4-FFF2-40B4-BE49-F238E27FC236}">
+                <a16:creationId xmlns:a16="http://schemas.microsoft.com/office/drawing/2014/main" id="{4A7B5450-0CE1-934D-8810-9816BF3B5865}"/>
+              </a:ext>
+            </a:extLst>
+          </p:cNvPr>
+          <p:cNvSpPr txBox="1"/>
+          <p:nvPr/>
+        </p:nvSpPr>
+        <p:spPr>
+          <a:xfrm>
+            <a:off x="8610600" y="1795731"/>
+            <a:ext cx="3085304" cy="369332"/>
+          </a:xfrm>
+          <a:prstGeom prst="rect">
+            <a:avLst/>
+          </a:prstGeom>
+          <a:noFill/>
+        </p:spPr>
+        <p:txBody>
+          <a:bodyPr wrap="square" rtlCol="0">
+            <a:spAutoFit/>
+          </a:bodyPr>
+          <a:lstStyle/>
+          <a:p>
+            <a:pPr algn="ctr"/>
+            <a:r>
+              <a:rPr lang="en-US" dirty="0"/>
+              <a:t>Cluster Assembly Disruption</a:t>
+            </a:r>
           </a:p>
         </p:txBody>
       </p:sp>
@@ -10160,7 +10515,7 @@
         <p:spPr>
           <a:xfrm>
             <a:off x="838200" y="5965512"/>
-            <a:ext cx="11024147" cy="523220"/>
+            <a:ext cx="11024147" cy="461665"/>
           </a:xfrm>
           <a:prstGeom prst="rect">
             <a:avLst/>
@@ -10174,61 +10529,61 @@
           <a:lstStyle/>
           <a:p>
             <a:r>
-              <a:rPr lang="en-US" sz="1400" dirty="0"/>
+              <a:rPr lang="en-US" sz="1200" dirty="0"/>
               <a:t>Data from: Li, </a:t>
             </a:r>
             <a:r>
-              <a:rPr lang="en-US" sz="1400" dirty="0" err="1"/>
+              <a:rPr lang="en-US" sz="1200" dirty="0" err="1"/>
               <a:t>Vogelsberger</a:t>
             </a:r>
             <a:r>
-              <a:rPr lang="en-US" sz="1400" dirty="0"/>
+              <a:rPr lang="en-US" sz="1200" dirty="0"/>
               <a:t>, </a:t>
             </a:r>
             <a:r>
-              <a:rPr lang="en-US" sz="1400" dirty="0" err="1"/>
+              <a:rPr lang="en-US" sz="1200" dirty="0" err="1"/>
               <a:t>Marinacci</a:t>
             </a:r>
             <a:r>
-              <a:rPr lang="en-US" sz="1400" dirty="0"/>
+              <a:rPr lang="en-US" sz="1200" dirty="0"/>
               <a:t>, Sales, and Torrey (2020)</a:t>
             </a:r>
           </a:p>
           <a:p>
             <a:r>
-              <a:rPr lang="en-US" sz="1400" dirty="0"/>
+              <a:rPr lang="en-US" sz="1200" dirty="0"/>
               <a:t>Using AREPO (</a:t>
             </a:r>
             <a:r>
-              <a:rPr lang="en-US" sz="1400" dirty="0" err="1"/>
+              <a:rPr lang="en-US" sz="1200" dirty="0" err="1"/>
               <a:t>Springel</a:t>
             </a:r>
             <a:r>
-              <a:rPr lang="en-US" sz="1400" dirty="0"/>
+              <a:rPr lang="en-US" sz="1200" dirty="0"/>
               <a:t> 2010) with SMUGGLE (</a:t>
             </a:r>
             <a:r>
-              <a:rPr lang="en-US" sz="1400" dirty="0" err="1"/>
+              <a:rPr lang="en-US" sz="1200" dirty="0" err="1"/>
               <a:t>Marinacci</a:t>
             </a:r>
             <a:r>
-              <a:rPr lang="en-US" sz="1400" dirty="0"/>
+              <a:rPr lang="en-US" sz="1200" dirty="0"/>
               <a:t>, Sales, </a:t>
             </a:r>
             <a:r>
-              <a:rPr lang="en-US" sz="1400" dirty="0" err="1"/>
+              <a:rPr lang="en-US" sz="1200" dirty="0" err="1"/>
               <a:t>Vogelsberger</a:t>
             </a:r>
             <a:r>
-              <a:rPr lang="en-US" sz="1400" dirty="0"/>
+              <a:rPr lang="en-US" sz="1200" dirty="0"/>
               <a:t>, Torrey, and </a:t>
             </a:r>
             <a:r>
-              <a:rPr lang="en-US" sz="1400" dirty="0" err="1"/>
+              <a:rPr lang="en-US" sz="1200" dirty="0" err="1"/>
               <a:t>Springel</a:t>
             </a:r>
             <a:r>
-              <a:rPr lang="en-US" sz="1400" dirty="0"/>
+              <a:rPr lang="en-US" sz="1200" dirty="0"/>
               <a:t> 2019)</a:t>
             </a:r>
           </a:p>

--- a/2022Clusters/Presentation1.pptx
+++ b/2022Clusters/Presentation1.pptx
@@ -472,6 +472,749 @@
 </file>
 
 <file path=ppt/notesSlides/notesSlide1.xml><?xml version="1.0" encoding="utf-8"?>
+<p:notes xmlns:a="http://schemas.openxmlformats.org/drawingml/2006/main" xmlns:r="http://schemas.openxmlformats.org/officeDocument/2006/relationships" xmlns:p="http://schemas.openxmlformats.org/presentationml/2006/main">
+  <p:cSld>
+    <p:spTree>
+      <p:nvGrpSpPr>
+        <p:cNvPr id="1" name=""/>
+        <p:cNvGrpSpPr/>
+        <p:nvPr/>
+      </p:nvGrpSpPr>
+      <p:grpSpPr>
+        <a:xfrm>
+          <a:off x="0" y="0"/>
+          <a:ext cx="0" cy="0"/>
+          <a:chOff x="0" y="0"/>
+          <a:chExt cx="0" cy="0"/>
+        </a:xfrm>
+      </p:grpSpPr>
+      <p:sp>
+        <p:nvSpPr>
+          <p:cNvPr id="2" name="Slide Image Placeholder 1"/>
+          <p:cNvSpPr>
+            <a:spLocks noGrp="1" noRot="1" noChangeAspect="1"/>
+          </p:cNvSpPr>
+          <p:nvPr>
+            <p:ph type="sldImg"/>
+          </p:nvPr>
+        </p:nvSpPr>
+        <p:spPr/>
+      </p:sp>
+      <p:sp>
+        <p:nvSpPr>
+          <p:cNvPr id="3" name="Notes Placeholder 2"/>
+          <p:cNvSpPr>
+            <a:spLocks noGrp="1"/>
+          </p:cNvSpPr>
+          <p:nvPr>
+            <p:ph type="body" idx="1"/>
+          </p:nvPr>
+        </p:nvSpPr>
+        <p:spPr/>
+        <p:txBody>
+          <a:bodyPr/>
+          <a:lstStyle/>
+          <a:p>
+            <a:r>
+              <a:rPr lang="en-US" dirty="0"/>
+              <a:t>Sean Lewis from Drexel University</a:t>
+            </a:r>
+          </a:p>
+          <a:p>
+            <a:r>
+              <a:rPr lang="en-US" dirty="0"/>
+              <a:t>Two parts to this talk:</a:t>
+            </a:r>
+          </a:p>
+          <a:p>
+            <a:pPr marL="171450" indent="-171450">
+              <a:buFontTx/>
+              <a:buChar char="-"/>
+            </a:pPr>
+            <a:r>
+              <a:rPr lang="en-US" dirty="0"/>
+              <a:t>Most recent published paper: effects of early forming massive stars</a:t>
+            </a:r>
+          </a:p>
+          <a:p>
+            <a:pPr marL="171450" indent="-171450">
+              <a:buFontTx/>
+              <a:buChar char="-"/>
+            </a:pPr>
+            <a:r>
+              <a:rPr lang="en-US" dirty="0"/>
+              <a:t>Novel method for porting data from Voronoi mesh to Block-structured codes</a:t>
+            </a:r>
+          </a:p>
+        </p:txBody>
+      </p:sp>
+      <p:sp>
+        <p:nvSpPr>
+          <p:cNvPr id="4" name="Slide Number Placeholder 3"/>
+          <p:cNvSpPr>
+            <a:spLocks noGrp="1"/>
+          </p:cNvSpPr>
+          <p:nvPr>
+            <p:ph type="sldNum" sz="quarter" idx="5"/>
+          </p:nvPr>
+        </p:nvSpPr>
+        <p:spPr/>
+        <p:txBody>
+          <a:bodyPr/>
+          <a:lstStyle/>
+          <a:p>
+            <a:fld id="{C87113AB-446C-CB43-B9B7-3A1483D0EE6C}" type="slidenum">
+              <a:rPr lang="en-US" smtClean="0"/>
+              <a:t>1</a:t>
+            </a:fld>
+            <a:endParaRPr lang="en-US"/>
+          </a:p>
+        </p:txBody>
+      </p:sp>
+    </p:spTree>
+    <p:extLst>
+      <p:ext uri="{BB962C8B-B14F-4D97-AF65-F5344CB8AC3E}">
+        <p14:creationId xmlns:p14="http://schemas.microsoft.com/office/powerpoint/2010/main" val="2556567336"/>
+      </p:ext>
+    </p:extLst>
+  </p:cSld>
+  <p:clrMapOvr>
+    <a:masterClrMapping/>
+  </p:clrMapOvr>
+</p:notes>
+</file>
+
+<file path=ppt/notesSlides/notesSlide2.xml><?xml version="1.0" encoding="utf-8"?>
+<p:notes xmlns:a="http://schemas.openxmlformats.org/drawingml/2006/main" xmlns:r="http://schemas.openxmlformats.org/officeDocument/2006/relationships" xmlns:p="http://schemas.openxmlformats.org/presentationml/2006/main">
+  <p:cSld>
+    <p:spTree>
+      <p:nvGrpSpPr>
+        <p:cNvPr id="1" name=""/>
+        <p:cNvGrpSpPr/>
+        <p:nvPr/>
+      </p:nvGrpSpPr>
+      <p:grpSpPr>
+        <a:xfrm>
+          <a:off x="0" y="0"/>
+          <a:ext cx="0" cy="0"/>
+          <a:chOff x="0" y="0"/>
+          <a:chExt cx="0" cy="0"/>
+        </a:xfrm>
+      </p:grpSpPr>
+      <p:sp>
+        <p:nvSpPr>
+          <p:cNvPr id="2" name="Slide Image Placeholder 1"/>
+          <p:cNvSpPr>
+            <a:spLocks noGrp="1" noRot="1" noChangeAspect="1"/>
+          </p:cNvSpPr>
+          <p:nvPr>
+            <p:ph type="sldImg"/>
+          </p:nvPr>
+        </p:nvSpPr>
+        <p:spPr/>
+      </p:sp>
+      <p:sp>
+        <p:nvSpPr>
+          <p:cNvPr id="3" name="Notes Placeholder 2"/>
+          <p:cNvSpPr>
+            <a:spLocks noGrp="1"/>
+          </p:cNvSpPr>
+          <p:nvPr>
+            <p:ph type="body" idx="1"/>
+          </p:nvPr>
+        </p:nvSpPr>
+        <p:spPr/>
+        <p:txBody>
+          <a:bodyPr/>
+          <a:lstStyle/>
+          <a:p>
+            <a:r>
+              <a:rPr lang="en-US" dirty="0"/>
+              <a:t>Massive stars play very important role in star cluster formation</a:t>
+            </a:r>
+          </a:p>
+          <a:p>
+            <a:r>
+              <a:rPr lang="en-US" dirty="0"/>
+              <a:t>Their feedback disrupts natal gas, quenching star formation</a:t>
+            </a:r>
+          </a:p>
+          <a:p>
+            <a:r>
+              <a:rPr lang="en-US" dirty="0"/>
+              <a:t>How rapidly their feedback evacuates gas has implications for subsequent cluster assembly</a:t>
+            </a:r>
+          </a:p>
+          <a:p>
+            <a:r>
+              <a:rPr lang="en-US" dirty="0"/>
+              <a:t>An unexplored parameter is “WHEN” a massive star forms</a:t>
+            </a:r>
+          </a:p>
+          <a:p>
+            <a:r>
+              <a:rPr lang="en-US" dirty="0"/>
+              <a:t>We hypothesize that early forming massive stars disrupt natal GMC resulting in slower star formation and will also suppress the hierarchical assembly of the cluster</a:t>
+            </a:r>
+          </a:p>
+        </p:txBody>
+      </p:sp>
+      <p:sp>
+        <p:nvSpPr>
+          <p:cNvPr id="4" name="Slide Number Placeholder 3"/>
+          <p:cNvSpPr>
+            <a:spLocks noGrp="1"/>
+          </p:cNvSpPr>
+          <p:nvPr>
+            <p:ph type="sldNum" sz="quarter" idx="5"/>
+          </p:nvPr>
+        </p:nvSpPr>
+        <p:spPr/>
+        <p:txBody>
+          <a:bodyPr/>
+          <a:lstStyle/>
+          <a:p>
+            <a:fld id="{C87113AB-446C-CB43-B9B7-3A1483D0EE6C}" type="slidenum">
+              <a:rPr lang="en-US" smtClean="0"/>
+              <a:t>2</a:t>
+            </a:fld>
+            <a:endParaRPr lang="en-US"/>
+          </a:p>
+        </p:txBody>
+      </p:sp>
+    </p:spTree>
+    <p:extLst>
+      <p:ext uri="{BB962C8B-B14F-4D97-AF65-F5344CB8AC3E}">
+        <p14:creationId xmlns:p14="http://schemas.microsoft.com/office/powerpoint/2010/main" val="841998772"/>
+      </p:ext>
+    </p:extLst>
+  </p:cSld>
+  <p:clrMapOvr>
+    <a:masterClrMapping/>
+  </p:clrMapOvr>
+</p:notes>
+</file>
+
+<file path=ppt/notesSlides/notesSlide3.xml><?xml version="1.0" encoding="utf-8"?>
+<p:notes xmlns:a="http://schemas.openxmlformats.org/drawingml/2006/main" xmlns:r="http://schemas.openxmlformats.org/officeDocument/2006/relationships" xmlns:p="http://schemas.openxmlformats.org/presentationml/2006/main">
+  <p:cSld>
+    <p:spTree>
+      <p:nvGrpSpPr>
+        <p:cNvPr id="1" name=""/>
+        <p:cNvGrpSpPr/>
+        <p:nvPr/>
+      </p:nvGrpSpPr>
+      <p:grpSpPr>
+        <a:xfrm>
+          <a:off x="0" y="0"/>
+          <a:ext cx="0" cy="0"/>
+          <a:chOff x="0" y="0"/>
+          <a:chExt cx="0" cy="0"/>
+        </a:xfrm>
+      </p:grpSpPr>
+      <p:sp>
+        <p:nvSpPr>
+          <p:cNvPr id="2" name="Slide Image Placeholder 1"/>
+          <p:cNvSpPr>
+            <a:spLocks noGrp="1" noRot="1" noChangeAspect="1"/>
+          </p:cNvSpPr>
+          <p:nvPr>
+            <p:ph type="sldImg"/>
+          </p:nvPr>
+        </p:nvSpPr>
+        <p:spPr/>
+      </p:sp>
+      <p:sp>
+        <p:nvSpPr>
+          <p:cNvPr id="3" name="Notes Placeholder 2"/>
+          <p:cNvSpPr>
+            <a:spLocks noGrp="1"/>
+          </p:cNvSpPr>
+          <p:nvPr>
+            <p:ph type="body" idx="1"/>
+          </p:nvPr>
+        </p:nvSpPr>
+        <p:spPr/>
+        <p:txBody>
+          <a:bodyPr/>
+          <a:lstStyle/>
+          <a:p>
+            <a:r>
+              <a:rPr lang="en-US" dirty="0"/>
+              <a:t>To test this, we use the star formation software suite. Torch integrates the MHD code FLASH with the N-body and stellar evolution suite AMUSE</a:t>
+            </a:r>
+          </a:p>
+          <a:p>
+            <a:pPr marL="0" marR="0" lvl="0" indent="0" algn="l" defTabSz="914400" rtl="0" eaLnBrk="1" fontAlgn="auto" latinLnBrk="0" hangingPunct="1">
+              <a:lnSpc>
+                <a:spcPct val="100000"/>
+              </a:lnSpc>
+              <a:spcBef>
+                <a:spcPts val="0"/>
+              </a:spcBef>
+              <a:spcAft>
+                <a:spcPts val="0"/>
+              </a:spcAft>
+              <a:buClrTx/>
+              <a:buSzTx/>
+              <a:buFontTx/>
+              <a:buNone/>
+              <a:tabLst/>
+              <a:defRPr/>
+            </a:pPr>
+            <a:r>
+              <a:rPr lang="en-US" dirty="0"/>
+              <a:t>In a Torch simulation Our stars form from sink particles which accrete gas and then spawn stars with masses randomly sampled from </a:t>
+            </a:r>
+            <a:r>
+              <a:rPr lang="en-US" dirty="0" err="1"/>
+              <a:t>Kroupa</a:t>
+            </a:r>
+            <a:r>
+              <a:rPr lang="en-US" dirty="0"/>
+              <a:t> IMF</a:t>
+            </a:r>
+          </a:p>
+          <a:p>
+            <a:endParaRPr lang="en-US" dirty="0"/>
+          </a:p>
+          <a:p>
+            <a:r>
+              <a:rPr lang="en-US" dirty="0"/>
+              <a:t>With Torch we perform a controlled experiment comparing a fiducial run with 3 runs where we force a 50, 70, 100 </a:t>
+            </a:r>
+            <a:r>
+              <a:rPr lang="en-US" dirty="0" err="1"/>
+              <a:t>Msun</a:t>
+            </a:r>
+            <a:r>
+              <a:rPr lang="en-US" dirty="0"/>
+              <a:t> star to form first</a:t>
+            </a:r>
+          </a:p>
+          <a:p>
+            <a:r>
+              <a:rPr lang="en-US" dirty="0"/>
+              <a:t>In these plots we see gas, stars…</a:t>
+            </a:r>
+          </a:p>
+          <a:p>
+            <a:r>
+              <a:rPr lang="en-US" dirty="0"/>
+              <a:t>These plots show…</a:t>
+            </a:r>
+          </a:p>
+        </p:txBody>
+      </p:sp>
+      <p:sp>
+        <p:nvSpPr>
+          <p:cNvPr id="4" name="Slide Number Placeholder 3"/>
+          <p:cNvSpPr>
+            <a:spLocks noGrp="1"/>
+          </p:cNvSpPr>
+          <p:nvPr>
+            <p:ph type="sldNum" sz="quarter" idx="5"/>
+          </p:nvPr>
+        </p:nvSpPr>
+        <p:spPr/>
+        <p:txBody>
+          <a:bodyPr/>
+          <a:lstStyle/>
+          <a:p>
+            <a:fld id="{C87113AB-446C-CB43-B9B7-3A1483D0EE6C}" type="slidenum">
+              <a:rPr lang="en-US" smtClean="0"/>
+              <a:t>3</a:t>
+            </a:fld>
+            <a:endParaRPr lang="en-US"/>
+          </a:p>
+        </p:txBody>
+      </p:sp>
+    </p:spTree>
+    <p:extLst>
+      <p:ext uri="{BB962C8B-B14F-4D97-AF65-F5344CB8AC3E}">
+        <p14:creationId xmlns:p14="http://schemas.microsoft.com/office/powerpoint/2010/main" val="1511333607"/>
+      </p:ext>
+    </p:extLst>
+  </p:cSld>
+  <p:clrMapOvr>
+    <a:masterClrMapping/>
+  </p:clrMapOvr>
+</p:notes>
+</file>
+
+<file path=ppt/notesSlides/notesSlide4.xml><?xml version="1.0" encoding="utf-8"?>
+<p:notes xmlns:a="http://schemas.openxmlformats.org/drawingml/2006/main" xmlns:r="http://schemas.openxmlformats.org/officeDocument/2006/relationships" xmlns:p="http://schemas.openxmlformats.org/presentationml/2006/main">
+  <p:cSld>
+    <p:spTree>
+      <p:nvGrpSpPr>
+        <p:cNvPr id="1" name=""/>
+        <p:cNvGrpSpPr/>
+        <p:nvPr/>
+      </p:nvGrpSpPr>
+      <p:grpSpPr>
+        <a:xfrm>
+          <a:off x="0" y="0"/>
+          <a:ext cx="0" cy="0"/>
+          <a:chOff x="0" y="0"/>
+          <a:chExt cx="0" cy="0"/>
+        </a:xfrm>
+      </p:grpSpPr>
+      <p:sp>
+        <p:nvSpPr>
+          <p:cNvPr id="2" name="Slide Image Placeholder 1"/>
+          <p:cNvSpPr>
+            <a:spLocks noGrp="1" noRot="1" noChangeAspect="1"/>
+          </p:cNvSpPr>
+          <p:nvPr>
+            <p:ph type="sldImg"/>
+          </p:nvPr>
+        </p:nvSpPr>
+        <p:spPr/>
+      </p:sp>
+      <p:sp>
+        <p:nvSpPr>
+          <p:cNvPr id="3" name="Notes Placeholder 2"/>
+          <p:cNvSpPr>
+            <a:spLocks noGrp="1"/>
+          </p:cNvSpPr>
+          <p:nvPr>
+            <p:ph type="body" idx="1"/>
+          </p:nvPr>
+        </p:nvSpPr>
+        <p:spPr/>
+        <p:txBody>
+          <a:bodyPr/>
+          <a:lstStyle/>
+          <a:p>
+            <a:r>
+              <a:rPr lang="en-US" dirty="0"/>
+              <a:t>We find that early forming massive stars rapidly unbind the natal GMC gas</a:t>
+            </a:r>
+          </a:p>
+        </p:txBody>
+      </p:sp>
+      <p:sp>
+        <p:nvSpPr>
+          <p:cNvPr id="4" name="Slide Number Placeholder 3"/>
+          <p:cNvSpPr>
+            <a:spLocks noGrp="1"/>
+          </p:cNvSpPr>
+          <p:nvPr>
+            <p:ph type="sldNum" sz="quarter" idx="5"/>
+          </p:nvPr>
+        </p:nvSpPr>
+        <p:spPr/>
+        <p:txBody>
+          <a:bodyPr/>
+          <a:lstStyle/>
+          <a:p>
+            <a:fld id="{C87113AB-446C-CB43-B9B7-3A1483D0EE6C}" type="slidenum">
+              <a:rPr lang="en-US" smtClean="0"/>
+              <a:t>4</a:t>
+            </a:fld>
+            <a:endParaRPr lang="en-US"/>
+          </a:p>
+        </p:txBody>
+      </p:sp>
+    </p:spTree>
+    <p:extLst>
+      <p:ext uri="{BB962C8B-B14F-4D97-AF65-F5344CB8AC3E}">
+        <p14:creationId xmlns:p14="http://schemas.microsoft.com/office/powerpoint/2010/main" val="262883530"/>
+      </p:ext>
+    </p:extLst>
+  </p:cSld>
+  <p:clrMapOvr>
+    <a:masterClrMapping/>
+  </p:clrMapOvr>
+</p:notes>
+</file>
+
+<file path=ppt/notesSlides/notesSlide5.xml><?xml version="1.0" encoding="utf-8"?>
+<p:notes xmlns:a="http://schemas.openxmlformats.org/drawingml/2006/main" xmlns:r="http://schemas.openxmlformats.org/officeDocument/2006/relationships" xmlns:p="http://schemas.openxmlformats.org/presentationml/2006/main">
+  <p:cSld>
+    <p:spTree>
+      <p:nvGrpSpPr>
+        <p:cNvPr id="1" name=""/>
+        <p:cNvGrpSpPr/>
+        <p:nvPr/>
+      </p:nvGrpSpPr>
+      <p:grpSpPr>
+        <a:xfrm>
+          <a:off x="0" y="0"/>
+          <a:ext cx="0" cy="0"/>
+          <a:chOff x="0" y="0"/>
+          <a:chExt cx="0" cy="0"/>
+        </a:xfrm>
+      </p:grpSpPr>
+      <p:sp>
+        <p:nvSpPr>
+          <p:cNvPr id="2" name="Slide Image Placeholder 1"/>
+          <p:cNvSpPr>
+            <a:spLocks noGrp="1" noRot="1" noChangeAspect="1"/>
+          </p:cNvSpPr>
+          <p:nvPr>
+            <p:ph type="sldImg"/>
+          </p:nvPr>
+        </p:nvSpPr>
+        <p:spPr/>
+      </p:sp>
+      <p:sp>
+        <p:nvSpPr>
+          <p:cNvPr id="3" name="Notes Placeholder 2"/>
+          <p:cNvSpPr>
+            <a:spLocks noGrp="1"/>
+          </p:cNvSpPr>
+          <p:nvPr>
+            <p:ph type="body" idx="1"/>
+          </p:nvPr>
+        </p:nvSpPr>
+        <p:spPr/>
+        <p:txBody>
+          <a:bodyPr/>
+          <a:lstStyle/>
+          <a:p>
+            <a:r>
+              <a:rPr lang="en-US" dirty="0"/>
+              <a:t>We also find that EFMS suppress the gas available for accretion (Jeans criterion)</a:t>
+            </a:r>
+          </a:p>
+          <a:p>
+            <a:r>
+              <a:rPr lang="en-US" dirty="0"/>
+              <a:t>And total stellar mass formed</a:t>
+            </a:r>
+          </a:p>
+        </p:txBody>
+      </p:sp>
+      <p:sp>
+        <p:nvSpPr>
+          <p:cNvPr id="4" name="Slide Number Placeholder 3"/>
+          <p:cNvSpPr>
+            <a:spLocks noGrp="1"/>
+          </p:cNvSpPr>
+          <p:nvPr>
+            <p:ph type="sldNum" sz="quarter" idx="5"/>
+          </p:nvPr>
+        </p:nvSpPr>
+        <p:spPr/>
+        <p:txBody>
+          <a:bodyPr/>
+          <a:lstStyle/>
+          <a:p>
+            <a:fld id="{C87113AB-446C-CB43-B9B7-3A1483D0EE6C}" type="slidenum">
+              <a:rPr lang="en-US" smtClean="0"/>
+              <a:t>5</a:t>
+            </a:fld>
+            <a:endParaRPr lang="en-US"/>
+          </a:p>
+        </p:txBody>
+      </p:sp>
+    </p:spTree>
+    <p:extLst>
+      <p:ext uri="{BB962C8B-B14F-4D97-AF65-F5344CB8AC3E}">
+        <p14:creationId xmlns:p14="http://schemas.microsoft.com/office/powerpoint/2010/main" val="2541590565"/>
+      </p:ext>
+    </p:extLst>
+  </p:cSld>
+  <p:clrMapOvr>
+    <a:masterClrMapping/>
+  </p:clrMapOvr>
+</p:notes>
+</file>
+
+<file path=ppt/notesSlides/notesSlide6.xml><?xml version="1.0" encoding="utf-8"?>
+<p:notes xmlns:a="http://schemas.openxmlformats.org/drawingml/2006/main" xmlns:r="http://schemas.openxmlformats.org/officeDocument/2006/relationships" xmlns:p="http://schemas.openxmlformats.org/presentationml/2006/main">
+  <p:cSld>
+    <p:spTree>
+      <p:nvGrpSpPr>
+        <p:cNvPr id="1" name=""/>
+        <p:cNvGrpSpPr/>
+        <p:nvPr/>
+      </p:nvGrpSpPr>
+      <p:grpSpPr>
+        <a:xfrm>
+          <a:off x="0" y="0"/>
+          <a:ext cx="0" cy="0"/>
+          <a:chOff x="0" y="0"/>
+          <a:chExt cx="0" cy="0"/>
+        </a:xfrm>
+      </p:grpSpPr>
+      <p:sp>
+        <p:nvSpPr>
+          <p:cNvPr id="2" name="Slide Image Placeholder 1"/>
+          <p:cNvSpPr>
+            <a:spLocks noGrp="1" noRot="1" noChangeAspect="1"/>
+          </p:cNvSpPr>
+          <p:nvPr>
+            <p:ph type="sldImg"/>
+          </p:nvPr>
+        </p:nvSpPr>
+        <p:spPr/>
+      </p:sp>
+      <p:sp>
+        <p:nvSpPr>
+          <p:cNvPr id="3" name="Notes Placeholder 2"/>
+          <p:cNvSpPr>
+            <a:spLocks noGrp="1"/>
+          </p:cNvSpPr>
+          <p:nvPr>
+            <p:ph type="body" idx="1"/>
+          </p:nvPr>
+        </p:nvSpPr>
+        <p:spPr/>
+        <p:txBody>
+          <a:bodyPr/>
+          <a:lstStyle/>
+          <a:p>
+            <a:r>
+              <a:rPr lang="en-US" dirty="0"/>
+              <a:t>EFMS Suppress gas accretion and star formation rates</a:t>
+            </a:r>
+          </a:p>
+          <a:p>
+            <a:r>
+              <a:rPr lang="en-US" dirty="0"/>
+              <a:t>SFR per freefall time by factor of 3-7</a:t>
+            </a:r>
+          </a:p>
+        </p:txBody>
+      </p:sp>
+      <p:sp>
+        <p:nvSpPr>
+          <p:cNvPr id="4" name="Slide Number Placeholder 3"/>
+          <p:cNvSpPr>
+            <a:spLocks noGrp="1"/>
+          </p:cNvSpPr>
+          <p:nvPr>
+            <p:ph type="sldNum" sz="quarter" idx="5"/>
+          </p:nvPr>
+        </p:nvSpPr>
+        <p:spPr/>
+        <p:txBody>
+          <a:bodyPr/>
+          <a:lstStyle/>
+          <a:p>
+            <a:fld id="{C87113AB-446C-CB43-B9B7-3A1483D0EE6C}" type="slidenum">
+              <a:rPr lang="en-US" smtClean="0"/>
+              <a:t>6</a:t>
+            </a:fld>
+            <a:endParaRPr lang="en-US"/>
+          </a:p>
+        </p:txBody>
+      </p:sp>
+    </p:spTree>
+    <p:extLst>
+      <p:ext uri="{BB962C8B-B14F-4D97-AF65-F5344CB8AC3E}">
+        <p14:creationId xmlns:p14="http://schemas.microsoft.com/office/powerpoint/2010/main" val="3116002843"/>
+      </p:ext>
+    </p:extLst>
+  </p:cSld>
+  <p:clrMapOvr>
+    <a:masterClrMapping/>
+  </p:clrMapOvr>
+</p:notes>
+</file>
+
+<file path=ppt/notesSlides/notesSlide7.xml><?xml version="1.0" encoding="utf-8"?>
+<p:notes xmlns:a="http://schemas.openxmlformats.org/drawingml/2006/main" xmlns:r="http://schemas.openxmlformats.org/officeDocument/2006/relationships" xmlns:p="http://schemas.openxmlformats.org/presentationml/2006/main">
+  <p:cSld>
+    <p:spTree>
+      <p:nvGrpSpPr>
+        <p:cNvPr id="1" name=""/>
+        <p:cNvGrpSpPr/>
+        <p:nvPr/>
+      </p:nvGrpSpPr>
+      <p:grpSpPr>
+        <a:xfrm>
+          <a:off x="0" y="0"/>
+          <a:ext cx="0" cy="0"/>
+          <a:chOff x="0" y="0"/>
+          <a:chExt cx="0" cy="0"/>
+        </a:xfrm>
+      </p:grpSpPr>
+      <p:sp>
+        <p:nvSpPr>
+          <p:cNvPr id="2" name="Slide Image Placeholder 1"/>
+          <p:cNvSpPr>
+            <a:spLocks noGrp="1" noRot="1" noChangeAspect="1"/>
+          </p:cNvSpPr>
+          <p:nvPr>
+            <p:ph type="sldImg"/>
+          </p:nvPr>
+        </p:nvSpPr>
+        <p:spPr/>
+      </p:sp>
+      <p:sp>
+        <p:nvSpPr>
+          <p:cNvPr id="3" name="Notes Placeholder 2"/>
+          <p:cNvSpPr>
+            <a:spLocks noGrp="1"/>
+          </p:cNvSpPr>
+          <p:nvPr>
+            <p:ph type="body" idx="1"/>
+          </p:nvPr>
+        </p:nvSpPr>
+        <p:spPr/>
+        <p:txBody>
+          <a:bodyPr/>
+          <a:lstStyle/>
+          <a:p>
+            <a:r>
+              <a:rPr lang="en-US" dirty="0"/>
+              <a:t>We find that EFMS promote formation of fragmented low-mass loosely-bound clusters</a:t>
+            </a:r>
+          </a:p>
+          <a:p>
+            <a:r>
+              <a:rPr lang="en-US" dirty="0"/>
+              <a:t>Use DBSCAN to identify</a:t>
+            </a:r>
+          </a:p>
+          <a:p>
+            <a:r>
+              <a:rPr lang="en-US" dirty="0"/>
+              <a:t>Point out mass percentages</a:t>
+            </a:r>
+          </a:p>
+        </p:txBody>
+      </p:sp>
+      <p:sp>
+        <p:nvSpPr>
+          <p:cNvPr id="4" name="Slide Number Placeholder 3"/>
+          <p:cNvSpPr>
+            <a:spLocks noGrp="1"/>
+          </p:cNvSpPr>
+          <p:nvPr>
+            <p:ph type="sldNum" sz="quarter" idx="5"/>
+          </p:nvPr>
+        </p:nvSpPr>
+        <p:spPr/>
+        <p:txBody>
+          <a:bodyPr/>
+          <a:lstStyle/>
+          <a:p>
+            <a:fld id="{C87113AB-446C-CB43-B9B7-3A1483D0EE6C}" type="slidenum">
+              <a:rPr lang="en-US" smtClean="0"/>
+              <a:t>7</a:t>
+            </a:fld>
+            <a:endParaRPr lang="en-US"/>
+          </a:p>
+        </p:txBody>
+      </p:sp>
+    </p:spTree>
+    <p:extLst>
+      <p:ext uri="{BB962C8B-B14F-4D97-AF65-F5344CB8AC3E}">
+        <p14:creationId xmlns:p14="http://schemas.microsoft.com/office/powerpoint/2010/main" val="4258213461"/>
+      </p:ext>
+    </p:extLst>
+  </p:cSld>
+  <p:clrMapOvr>
+    <a:masterClrMapping/>
+  </p:clrMapOvr>
+</p:notes>
+</file>
+
+<file path=ppt/notesSlides/notesSlide8.xml><?xml version="1.0" encoding="utf-8"?>
 <p:notes xmlns:a="http://schemas.openxmlformats.org/drawingml/2006/main" xmlns:r="http://schemas.openxmlformats.org/officeDocument/2006/relationships" xmlns:p="http://schemas.openxmlformats.org/presentationml/2006/main">
   <p:cSld>
     <p:spTree>
@@ -3815,7 +4558,7 @@
           <p:nvPr/>
         </p:nvPicPr>
         <p:blipFill rotWithShape="1">
-          <a:blip r:embed="rId2">
+          <a:blip r:embed="rId3">
             <a:alphaModFix amt="85000"/>
           </a:blip>
           <a:srcRect l="-1" t="17640" r="891" b="6968"/>
@@ -6763,7 +7506,7 @@
           <p:nvPr/>
         </p:nvPicPr>
         <p:blipFill rotWithShape="1">
-          <a:blip r:embed="rId2"/>
+          <a:blip r:embed="rId3"/>
           <a:srcRect l="-1" t="17640" r="891" b="6968"/>
           <a:stretch/>
         </p:blipFill>
@@ -7073,7 +7816,7 @@
           <p:nvPr/>
         </p:nvPicPr>
         <p:blipFill>
-          <a:blip r:embed="rId2"/>
+          <a:blip r:embed="rId3"/>
           <a:stretch>
             <a:fillRect/>
           </a:stretch>
@@ -7103,7 +7846,7 @@
           <p:nvPr/>
         </p:nvPicPr>
         <p:blipFill>
-          <a:blip r:embed="rId3"/>
+          <a:blip r:embed="rId4"/>
           <a:stretch>
             <a:fillRect/>
           </a:stretch>
@@ -7837,7 +8580,7 @@
           <p:nvPr/>
         </p:nvPicPr>
         <p:blipFill>
-          <a:blip r:embed="rId2"/>
+          <a:blip r:embed="rId3"/>
           <a:stretch>
             <a:fillRect/>
           </a:stretch>
@@ -7867,7 +8610,7 @@
           <p:nvPr/>
         </p:nvPicPr>
         <p:blipFill>
-          <a:blip r:embed="rId3"/>
+          <a:blip r:embed="rId4"/>
           <a:stretch>
             <a:fillRect/>
           </a:stretch>
@@ -8311,15 +9054,15 @@
           <p:nvPr/>
         </p:nvPicPr>
         <p:blipFill>
-          <a:blip r:embed="rId2"/>
+          <a:blip r:embed="rId3"/>
           <a:stretch>
             <a:fillRect/>
           </a:stretch>
         </p:blipFill>
         <p:spPr>
           <a:xfrm>
-            <a:off x="128239" y="1455234"/>
-            <a:ext cx="5544324" cy="5062654"/>
+            <a:off x="128239" y="1738926"/>
+            <a:ext cx="5233641" cy="4778962"/>
           </a:xfrm>
           <a:prstGeom prst="rect">
             <a:avLst/>
@@ -8341,15 +9084,15 @@
           <p:nvPr/>
         </p:nvPicPr>
         <p:blipFill>
-          <a:blip r:embed="rId3"/>
+          <a:blip r:embed="rId4"/>
           <a:stretch>
             <a:fillRect/>
           </a:stretch>
         </p:blipFill>
         <p:spPr>
           <a:xfrm>
-            <a:off x="6200078" y="1449081"/>
-            <a:ext cx="5544324" cy="5068807"/>
+            <a:off x="6400103" y="1733118"/>
+            <a:ext cx="5233641" cy="4784770"/>
           </a:xfrm>
           <a:prstGeom prst="rect">
             <a:avLst/>
@@ -8494,6 +9237,76 @@
           <a:p>
             <a:pPr algn="ctr"/>
             <a:endParaRPr lang="en-US"/>
+          </a:p>
+        </p:txBody>
+      </p:sp>
+      <p:sp>
+        <p:nvSpPr>
+          <p:cNvPr id="17" name="TextBox 16">
+            <a:extLst>
+              <a:ext uri="{FF2B5EF4-FFF2-40B4-BE49-F238E27FC236}">
+                <a16:creationId xmlns:a16="http://schemas.microsoft.com/office/drawing/2014/main" id="{60CF6BBC-9E87-DE41-B3C3-6ADF4D1F9D46}"/>
+              </a:ext>
+            </a:extLst>
+          </p:cNvPr>
+          <p:cNvSpPr txBox="1"/>
+          <p:nvPr/>
+        </p:nvSpPr>
+        <p:spPr>
+          <a:xfrm>
+            <a:off x="1323082" y="1397394"/>
+            <a:ext cx="4767340" cy="369332"/>
+          </a:xfrm>
+          <a:prstGeom prst="rect">
+            <a:avLst/>
+          </a:prstGeom>
+          <a:noFill/>
+        </p:spPr>
+        <p:txBody>
+          <a:bodyPr wrap="square" rtlCol="0">
+            <a:spAutoFit/>
+          </a:bodyPr>
+          <a:lstStyle/>
+          <a:p>
+            <a:r>
+              <a:rPr lang="en-US" dirty="0"/>
+              <a:t>Gas Mass Satisfying Jeans Criterion</a:t>
+            </a:r>
+          </a:p>
+        </p:txBody>
+      </p:sp>
+      <p:sp>
+        <p:nvSpPr>
+          <p:cNvPr id="18" name="TextBox 17">
+            <a:extLst>
+              <a:ext uri="{FF2B5EF4-FFF2-40B4-BE49-F238E27FC236}">
+                <a16:creationId xmlns:a16="http://schemas.microsoft.com/office/drawing/2014/main" id="{3039D61E-29A4-8441-B0AE-EB6B0CD30A52}"/>
+              </a:ext>
+            </a:extLst>
+          </p:cNvPr>
+          <p:cNvSpPr txBox="1"/>
+          <p:nvPr/>
+        </p:nvSpPr>
+        <p:spPr>
+          <a:xfrm>
+            <a:off x="8260169" y="1412552"/>
+            <a:ext cx="4767340" cy="369332"/>
+          </a:xfrm>
+          <a:prstGeom prst="rect">
+            <a:avLst/>
+          </a:prstGeom>
+          <a:noFill/>
+        </p:spPr>
+        <p:txBody>
+          <a:bodyPr wrap="square" rtlCol="0">
+            <a:spAutoFit/>
+          </a:bodyPr>
+          <a:lstStyle/>
+          <a:p>
+            <a:r>
+              <a:rPr lang="en-US" dirty="0"/>
+              <a:t>Cumulative Stellar Mass</a:t>
+            </a:r>
           </a:p>
         </p:txBody>
       </p:sp>
@@ -8814,7 +9627,7 @@
           <p:nvPr/>
         </p:nvPicPr>
         <p:blipFill>
-          <a:blip r:embed="rId2"/>
+          <a:blip r:embed="rId3"/>
           <a:stretch>
             <a:fillRect/>
           </a:stretch>
@@ -8956,7 +9769,7 @@
           <p:nvPr/>
         </p:nvPicPr>
         <p:blipFill>
-          <a:blip r:embed="rId3"/>
+          <a:blip r:embed="rId4"/>
           <a:stretch>
             <a:fillRect/>
           </a:stretch>
@@ -9288,7 +10101,7 @@
           <p:nvPr/>
         </p:nvPicPr>
         <p:blipFill>
-          <a:blip r:embed="rId2"/>
+          <a:blip r:embed="rId3"/>
           <a:stretch>
             <a:fillRect/>
           </a:stretch>
@@ -9430,7 +10243,7 @@
           <p:nvPr/>
         </p:nvPicPr>
         <p:blipFill>
-          <a:blip r:embed="rId3"/>
+          <a:blip r:embed="rId4"/>
           <a:stretch>
             <a:fillRect/>
           </a:stretch>

--- a/2022Clusters/Presentation1.pptx
+++ b/2022Clusters/Presentation1.pptx
@@ -5,7 +5,7 @@
     <p:sldMasterId id="2147483648" r:id="rId1"/>
   </p:sldMasterIdLst>
   <p:notesMasterIdLst>
-    <p:notesMasterId r:id="rId15"/>
+    <p:notesMasterId r:id="rId16"/>
   </p:notesMasterIdLst>
   <p:sldIdLst>
     <p:sldId id="256" r:id="rId2"/>
@@ -18,9 +18,10 @@
     <p:sldId id="263" r:id="rId9"/>
     <p:sldId id="264" r:id="rId10"/>
     <p:sldId id="265" r:id="rId11"/>
-    <p:sldId id="266" r:id="rId12"/>
-    <p:sldId id="267" r:id="rId13"/>
-    <p:sldId id="268" r:id="rId14"/>
+    <p:sldId id="269" r:id="rId12"/>
+    <p:sldId id="266" r:id="rId13"/>
+    <p:sldId id="267" r:id="rId14"/>
+    <p:sldId id="268" r:id="rId15"/>
   </p:sldIdLst>
   <p:sldSz cx="12192000" cy="6858000"/>
   <p:notesSz cx="6858000" cy="9144000"/>
@@ -584,6 +585,329 @@
 </p:notes>
 </file>
 
+<file path=ppt/notesSlides/notesSlide10.xml><?xml version="1.0" encoding="utf-8"?>
+<p:notes xmlns:a="http://schemas.openxmlformats.org/drawingml/2006/main" xmlns:r="http://schemas.openxmlformats.org/officeDocument/2006/relationships" xmlns:p="http://schemas.openxmlformats.org/presentationml/2006/main">
+  <p:cSld>
+    <p:spTree>
+      <p:nvGrpSpPr>
+        <p:cNvPr id="1" name=""/>
+        <p:cNvGrpSpPr/>
+        <p:nvPr/>
+      </p:nvGrpSpPr>
+      <p:grpSpPr>
+        <a:xfrm>
+          <a:off x="0" y="0"/>
+          <a:ext cx="0" cy="0"/>
+          <a:chOff x="0" y="0"/>
+          <a:chExt cx="0" cy="0"/>
+        </a:xfrm>
+      </p:grpSpPr>
+      <p:sp>
+        <p:nvSpPr>
+          <p:cNvPr id="2" name="Slide Image Placeholder 1"/>
+          <p:cNvSpPr>
+            <a:spLocks noGrp="1" noRot="1" noChangeAspect="1"/>
+          </p:cNvSpPr>
+          <p:nvPr>
+            <p:ph type="sldImg"/>
+          </p:nvPr>
+        </p:nvSpPr>
+        <p:spPr/>
+      </p:sp>
+      <p:sp>
+        <p:nvSpPr>
+          <p:cNvPr id="3" name="Notes Placeholder 2"/>
+          <p:cNvSpPr>
+            <a:spLocks noGrp="1"/>
+          </p:cNvSpPr>
+          <p:nvPr>
+            <p:ph type="body" idx="1"/>
+          </p:nvPr>
+        </p:nvSpPr>
+        <p:spPr/>
+        <p:txBody>
+          <a:bodyPr/>
+          <a:lstStyle/>
+          <a:p>
+            <a:r>
+              <a:rPr lang="en-US" dirty="0"/>
+              <a:t>Just to recap</a:t>
+            </a:r>
+          </a:p>
+          <a:p>
+            <a:r>
+              <a:rPr lang="en-US" dirty="0"/>
+              <a:t>Self-consistent Torch simulations</a:t>
+            </a:r>
+          </a:p>
+          <a:p>
+            <a:r>
+              <a:rPr lang="en-US" dirty="0"/>
+              <a:t>Ideally, use data of clouds that form in galactic simulations as initial conditions</a:t>
+            </a:r>
+          </a:p>
+          <a:p>
+            <a:r>
+              <a:rPr lang="en-US" dirty="0"/>
+              <a:t>Where do we get these self-consistent clouds?</a:t>
+            </a:r>
+          </a:p>
+        </p:txBody>
+      </p:sp>
+      <p:sp>
+        <p:nvSpPr>
+          <p:cNvPr id="4" name="Slide Number Placeholder 3"/>
+          <p:cNvSpPr>
+            <a:spLocks noGrp="1"/>
+          </p:cNvSpPr>
+          <p:nvPr>
+            <p:ph type="sldNum" sz="quarter" idx="5"/>
+          </p:nvPr>
+        </p:nvSpPr>
+        <p:spPr/>
+        <p:txBody>
+          <a:bodyPr/>
+          <a:lstStyle/>
+          <a:p>
+            <a:fld id="{C87113AB-446C-CB43-B9B7-3A1483D0EE6C}" type="slidenum">
+              <a:rPr lang="en-US" smtClean="0"/>
+              <a:t>10</a:t>
+            </a:fld>
+            <a:endParaRPr lang="en-US"/>
+          </a:p>
+        </p:txBody>
+      </p:sp>
+    </p:spTree>
+    <p:extLst>
+      <p:ext uri="{BB962C8B-B14F-4D97-AF65-F5344CB8AC3E}">
+        <p14:creationId xmlns:p14="http://schemas.microsoft.com/office/powerpoint/2010/main" val="1053112278"/>
+      </p:ext>
+    </p:extLst>
+  </p:cSld>
+  <p:clrMapOvr>
+    <a:masterClrMapping/>
+  </p:clrMapOvr>
+</p:notes>
+</file>
+
+<file path=ppt/notesSlides/notesSlide11.xml><?xml version="1.0" encoding="utf-8"?>
+<p:notes xmlns:a="http://schemas.openxmlformats.org/drawingml/2006/main" xmlns:r="http://schemas.openxmlformats.org/officeDocument/2006/relationships" xmlns:p="http://schemas.openxmlformats.org/presentationml/2006/main">
+  <p:cSld>
+    <p:spTree>
+      <p:nvGrpSpPr>
+        <p:cNvPr id="1" name=""/>
+        <p:cNvGrpSpPr/>
+        <p:nvPr/>
+      </p:nvGrpSpPr>
+      <p:grpSpPr>
+        <a:xfrm>
+          <a:off x="0" y="0"/>
+          <a:ext cx="0" cy="0"/>
+          <a:chOff x="0" y="0"/>
+          <a:chExt cx="0" cy="0"/>
+        </a:xfrm>
+      </p:grpSpPr>
+      <p:sp>
+        <p:nvSpPr>
+          <p:cNvPr id="2" name="Slide Image Placeholder 1"/>
+          <p:cNvSpPr>
+            <a:spLocks noGrp="1" noRot="1" noChangeAspect="1"/>
+          </p:cNvSpPr>
+          <p:nvPr>
+            <p:ph type="sldImg"/>
+          </p:nvPr>
+        </p:nvSpPr>
+        <p:spPr/>
+      </p:sp>
+      <p:sp>
+        <p:nvSpPr>
+          <p:cNvPr id="3" name="Notes Placeholder 2"/>
+          <p:cNvSpPr>
+            <a:spLocks noGrp="1"/>
+          </p:cNvSpPr>
+          <p:nvPr>
+            <p:ph type="body" idx="1"/>
+          </p:nvPr>
+        </p:nvSpPr>
+        <p:spPr/>
+        <p:txBody>
+          <a:bodyPr/>
+          <a:lstStyle/>
+          <a:p>
+            <a:r>
+              <a:rPr lang="en-US" dirty="0"/>
+              <a:t>Part of Li et al. 2020 takes a big step in this direction, Identifying GMCs that form during their galactic sim\</a:t>
+            </a:r>
+          </a:p>
+          <a:p>
+            <a:r>
+              <a:rPr lang="en-US" dirty="0" err="1"/>
+              <a:t>We’s</a:t>
+            </a:r>
+            <a:r>
+              <a:rPr lang="en-US" dirty="0"/>
+              <a:t> like to use these clouds in Torch</a:t>
+            </a:r>
+          </a:p>
+          <a:p>
+            <a:r>
+              <a:rPr lang="en-US" dirty="0"/>
+              <a:t>BUT </a:t>
+            </a:r>
+            <a:r>
+              <a:rPr lang="en-US" dirty="0" err="1"/>
+              <a:t>there;s</a:t>
+            </a:r>
+            <a:r>
+              <a:rPr lang="en-US" dirty="0"/>
+              <a:t> a problem; Li et al runs use a moving mesh MHD code called AREPO</a:t>
+            </a:r>
+          </a:p>
+          <a:p>
+            <a:r>
+              <a:rPr lang="en-US" dirty="0"/>
+              <a:t>We use the </a:t>
+            </a:r>
+            <a:r>
+              <a:rPr lang="en-US" dirty="0" err="1"/>
+              <a:t>adpaptive</a:t>
+            </a:r>
+            <a:r>
+              <a:rPr lang="en-US" dirty="0"/>
+              <a:t> grid-based code FLASH</a:t>
+            </a:r>
+          </a:p>
+          <a:p>
+            <a:r>
+              <a:rPr lang="en-US" dirty="0"/>
+              <a:t>How do we accurately transfer data from one to the other</a:t>
+            </a:r>
+          </a:p>
+        </p:txBody>
+      </p:sp>
+      <p:sp>
+        <p:nvSpPr>
+          <p:cNvPr id="4" name="Slide Number Placeholder 3"/>
+          <p:cNvSpPr>
+            <a:spLocks noGrp="1"/>
+          </p:cNvSpPr>
+          <p:nvPr>
+            <p:ph type="sldNum" sz="quarter" idx="5"/>
+          </p:nvPr>
+        </p:nvSpPr>
+        <p:spPr/>
+        <p:txBody>
+          <a:bodyPr/>
+          <a:lstStyle/>
+          <a:p>
+            <a:fld id="{C87113AB-446C-CB43-B9B7-3A1483D0EE6C}" type="slidenum">
+              <a:rPr lang="en-US" smtClean="0"/>
+              <a:t>11</a:t>
+            </a:fld>
+            <a:endParaRPr lang="en-US"/>
+          </a:p>
+        </p:txBody>
+      </p:sp>
+    </p:spTree>
+    <p:extLst>
+      <p:ext uri="{BB962C8B-B14F-4D97-AF65-F5344CB8AC3E}">
+        <p14:creationId xmlns:p14="http://schemas.microsoft.com/office/powerpoint/2010/main" val="1874196806"/>
+      </p:ext>
+    </p:extLst>
+  </p:cSld>
+  <p:clrMapOvr>
+    <a:masterClrMapping/>
+  </p:clrMapOvr>
+</p:notes>
+</file>
+
+<file path=ppt/notesSlides/notesSlide12.xml><?xml version="1.0" encoding="utf-8"?>
+<p:notes xmlns:a="http://schemas.openxmlformats.org/drawingml/2006/main" xmlns:r="http://schemas.openxmlformats.org/officeDocument/2006/relationships" xmlns:p="http://schemas.openxmlformats.org/presentationml/2006/main">
+  <p:cSld>
+    <p:spTree>
+      <p:nvGrpSpPr>
+        <p:cNvPr id="1" name=""/>
+        <p:cNvGrpSpPr/>
+        <p:nvPr/>
+      </p:nvGrpSpPr>
+      <p:grpSpPr>
+        <a:xfrm>
+          <a:off x="0" y="0"/>
+          <a:ext cx="0" cy="0"/>
+          <a:chOff x="0" y="0"/>
+          <a:chExt cx="0" cy="0"/>
+        </a:xfrm>
+      </p:grpSpPr>
+      <p:sp>
+        <p:nvSpPr>
+          <p:cNvPr id="2" name="Slide Image Placeholder 1"/>
+          <p:cNvSpPr>
+            <a:spLocks noGrp="1" noRot="1" noChangeAspect="1"/>
+          </p:cNvSpPr>
+          <p:nvPr>
+            <p:ph type="sldImg"/>
+          </p:nvPr>
+        </p:nvSpPr>
+        <p:spPr/>
+      </p:sp>
+      <p:sp>
+        <p:nvSpPr>
+          <p:cNvPr id="3" name="Notes Placeholder 2"/>
+          <p:cNvSpPr>
+            <a:spLocks noGrp="1"/>
+          </p:cNvSpPr>
+          <p:nvPr>
+            <p:ph type="body" idx="1"/>
+          </p:nvPr>
+        </p:nvSpPr>
+        <p:spPr/>
+        <p:txBody>
+          <a:bodyPr/>
+          <a:lstStyle/>
+          <a:p>
+            <a:r>
+              <a:rPr lang="en-US" dirty="0"/>
+              <a:t>Can be used for data conversion from ANY moving mesh code OR SPH code OR </a:t>
+            </a:r>
+          </a:p>
+        </p:txBody>
+      </p:sp>
+      <p:sp>
+        <p:nvSpPr>
+          <p:cNvPr id="4" name="Slide Number Placeholder 3"/>
+          <p:cNvSpPr>
+            <a:spLocks noGrp="1"/>
+          </p:cNvSpPr>
+          <p:nvPr>
+            <p:ph type="sldNum" sz="quarter" idx="5"/>
+          </p:nvPr>
+        </p:nvSpPr>
+        <p:spPr/>
+        <p:txBody>
+          <a:bodyPr/>
+          <a:lstStyle/>
+          <a:p>
+            <a:fld id="{C87113AB-446C-CB43-B9B7-3A1483D0EE6C}" type="slidenum">
+              <a:rPr lang="en-US" smtClean="0"/>
+              <a:t>12</a:t>
+            </a:fld>
+            <a:endParaRPr lang="en-US"/>
+          </a:p>
+        </p:txBody>
+      </p:sp>
+    </p:spTree>
+    <p:extLst>
+      <p:ext uri="{BB962C8B-B14F-4D97-AF65-F5344CB8AC3E}">
+        <p14:creationId xmlns:p14="http://schemas.microsoft.com/office/powerpoint/2010/main" val="1068343452"/>
+      </p:ext>
+    </p:extLst>
+  </p:cSld>
+  <p:clrMapOvr>
+    <a:masterClrMapping/>
+  </p:clrMapOvr>
+</p:notes>
+</file>
+
 <file path=ppt/notesSlides/notesSlide2.xml><?xml version="1.0" encoding="utf-8"?>
 <p:notes xmlns:a="http://schemas.openxmlformats.org/drawingml/2006/main" xmlns:r="http://schemas.openxmlformats.org/officeDocument/2006/relationships" xmlns:p="http://schemas.openxmlformats.org/presentationml/2006/main">
   <p:cSld>
@@ -1319,6 +1643,105 @@
     <p:extLst>
       <p:ext uri="{BB962C8B-B14F-4D97-AF65-F5344CB8AC3E}">
         <p14:creationId xmlns:p14="http://schemas.microsoft.com/office/powerpoint/2010/main" val="138973100"/>
+      </p:ext>
+    </p:extLst>
+  </p:cSld>
+  <p:clrMapOvr>
+    <a:masterClrMapping/>
+  </p:clrMapOvr>
+</p:notes>
+</file>
+
+<file path=ppt/notesSlides/notesSlide9.xml><?xml version="1.0" encoding="utf-8"?>
+<p:notes xmlns:a="http://schemas.openxmlformats.org/drawingml/2006/main" xmlns:r="http://schemas.openxmlformats.org/officeDocument/2006/relationships" xmlns:p="http://schemas.openxmlformats.org/presentationml/2006/main">
+  <p:cSld>
+    <p:spTree>
+      <p:nvGrpSpPr>
+        <p:cNvPr id="1" name=""/>
+        <p:cNvGrpSpPr/>
+        <p:nvPr/>
+      </p:nvGrpSpPr>
+      <p:grpSpPr>
+        <a:xfrm>
+          <a:off x="0" y="0"/>
+          <a:ext cx="0" cy="0"/>
+          <a:chOff x="0" y="0"/>
+          <a:chExt cx="0" cy="0"/>
+        </a:xfrm>
+      </p:grpSpPr>
+      <p:sp>
+        <p:nvSpPr>
+          <p:cNvPr id="2" name="Slide Image Placeholder 1"/>
+          <p:cNvSpPr>
+            <a:spLocks noGrp="1" noRot="1" noChangeAspect="1"/>
+          </p:cNvSpPr>
+          <p:nvPr>
+            <p:ph type="sldImg"/>
+          </p:nvPr>
+        </p:nvSpPr>
+        <p:spPr/>
+      </p:sp>
+      <p:sp>
+        <p:nvSpPr>
+          <p:cNvPr id="3" name="Notes Placeholder 2"/>
+          <p:cNvSpPr>
+            <a:spLocks noGrp="1"/>
+          </p:cNvSpPr>
+          <p:nvPr>
+            <p:ph type="body" idx="1"/>
+          </p:nvPr>
+        </p:nvSpPr>
+        <p:spPr/>
+        <p:txBody>
+          <a:bodyPr/>
+          <a:lstStyle/>
+          <a:p>
+            <a:r>
+              <a:rPr lang="en-US" dirty="0"/>
+              <a:t>Common problem – lack of realistic initial conditions</a:t>
+            </a:r>
+          </a:p>
+          <a:p>
+            <a:r>
+              <a:rPr lang="en-US" dirty="0"/>
+              <a:t>Start from isolated spherical cloud or colliding gas cylinders</a:t>
+            </a:r>
+          </a:p>
+          <a:p>
+            <a:r>
+              <a:rPr lang="en-US" dirty="0"/>
+              <a:t>Missing physics: galactic influences like tidal and shearing effects on clouds, galactic-scale feedback</a:t>
+            </a:r>
+          </a:p>
+        </p:txBody>
+      </p:sp>
+      <p:sp>
+        <p:nvSpPr>
+          <p:cNvPr id="4" name="Slide Number Placeholder 3"/>
+          <p:cNvSpPr>
+            <a:spLocks noGrp="1"/>
+          </p:cNvSpPr>
+          <p:nvPr>
+            <p:ph type="sldNum" sz="quarter" idx="5"/>
+          </p:nvPr>
+        </p:nvSpPr>
+        <p:spPr/>
+        <p:txBody>
+          <a:bodyPr/>
+          <a:lstStyle/>
+          <a:p>
+            <a:fld id="{C87113AB-446C-CB43-B9B7-3A1483D0EE6C}" type="slidenum">
+              <a:rPr lang="en-US" smtClean="0"/>
+              <a:t>9</a:t>
+            </a:fld>
+            <a:endParaRPr lang="en-US"/>
+          </a:p>
+        </p:txBody>
+      </p:sp>
+    </p:spTree>
+    <p:extLst>
+      <p:ext uri="{BB962C8B-B14F-4D97-AF65-F5344CB8AC3E}">
+        <p14:creationId xmlns:p14="http://schemas.microsoft.com/office/powerpoint/2010/main" val="987837299"/>
       </p:ext>
     </p:extLst>
   </p:cSld>
@@ -5002,8 +5425,8 @@
         </p:nvSpPr>
         <p:spPr>
           <a:xfrm>
-            <a:off x="-11153" y="266849"/>
-            <a:ext cx="12203153" cy="848273"/>
+            <a:off x="-11153" y="266848"/>
+            <a:ext cx="12203153" cy="950976"/>
           </a:xfrm>
           <a:prstGeom prst="rect">
             <a:avLst/>
@@ -5061,7 +5484,7 @@
         </p:nvSpPr>
         <p:spPr>
           <a:xfrm>
-            <a:off x="128239" y="22302"/>
+            <a:off x="99590" y="79554"/>
             <a:ext cx="12550698" cy="1325563"/>
           </a:xfrm>
         </p:spPr>
@@ -5079,8 +5502,8 @@
               <a:rPr lang="en-US" dirty="0"/>
             </a:br>
             <a:r>
-              <a:rPr lang="en-US" sz="2000" dirty="0"/>
-              <a:t>Using the Torch computational framework</a:t>
+              <a:rPr lang="en-US" sz="2700" dirty="0"/>
+              <a:t>The kinds of clouds we want</a:t>
             </a:r>
             <a:endParaRPr lang="en-US" dirty="0"/>
           </a:p>
@@ -5278,7 +5701,7 @@
           <p:nvPr/>
         </p:nvPicPr>
         <p:blipFill rotWithShape="1">
-          <a:blip r:embed="rId2"/>
+          <a:blip r:embed="rId3"/>
           <a:srcRect l="50080"/>
           <a:stretch/>
         </p:blipFill>
@@ -5307,7 +5730,7 @@
           <p:nvPr/>
         </p:nvPicPr>
         <p:blipFill rotWithShape="1">
-          <a:blip r:embed="rId2"/>
+          <a:blip r:embed="rId3"/>
           <a:srcRect r="50614"/>
           <a:stretch/>
         </p:blipFill>
@@ -5477,8 +5900,8 @@
         </p:nvSpPr>
         <p:spPr>
           <a:xfrm>
-            <a:off x="-11153" y="266849"/>
-            <a:ext cx="12203153" cy="848273"/>
+            <a:off x="-11153" y="294049"/>
+            <a:ext cx="12203153" cy="950976"/>
           </a:xfrm>
           <a:prstGeom prst="rect">
             <a:avLst/>
@@ -5536,7 +5959,7 @@
         </p:nvSpPr>
         <p:spPr>
           <a:xfrm>
-            <a:off x="128239" y="22302"/>
+            <a:off x="128239" y="106756"/>
             <a:ext cx="12550698" cy="1325563"/>
           </a:xfrm>
         </p:spPr>
@@ -5554,8 +5977,8 @@
               <a:rPr lang="en-US" dirty="0"/>
             </a:br>
             <a:r>
-              <a:rPr lang="en-US" sz="2000" dirty="0"/>
-              <a:t>Using the Torch computational framework</a:t>
+              <a:rPr lang="en-US" sz="2700" dirty="0"/>
+              <a:t>Self-consistent clouds</a:t>
             </a:r>
             <a:endParaRPr lang="en-US" dirty="0"/>
           </a:p>
@@ -5738,12 +6161,213 @@
           </a:p>
         </p:txBody>
       </p:sp>
+      <p:sp>
+        <p:nvSpPr>
+          <p:cNvPr id="14" name="Rectangle 13">
+            <a:extLst>
+              <a:ext uri="{FF2B5EF4-FFF2-40B4-BE49-F238E27FC236}">
+                <a16:creationId xmlns:a16="http://schemas.microsoft.com/office/drawing/2014/main" id="{F6F4C6F0-2CCC-7B48-B70B-C19992B037A9}"/>
+              </a:ext>
+            </a:extLst>
+          </p:cNvPr>
+          <p:cNvSpPr/>
+          <p:nvPr/>
+        </p:nvSpPr>
+        <p:spPr>
+          <a:xfrm>
+            <a:off x="-11153" y="6721475"/>
+            <a:ext cx="12203151" cy="141525"/>
+          </a:xfrm>
+          <a:prstGeom prst="rect">
+            <a:avLst/>
+          </a:prstGeom>
+          <a:solidFill>
+            <a:schemeClr val="accent4">
+              <a:lumMod val="75000"/>
+            </a:schemeClr>
+          </a:solidFill>
+          <a:ln>
+            <a:solidFill>
+              <a:schemeClr val="tx1"/>
+            </a:solidFill>
+          </a:ln>
+        </p:spPr>
+        <p:style>
+          <a:lnRef idx="2">
+            <a:schemeClr val="accent1">
+              <a:shade val="50000"/>
+            </a:schemeClr>
+          </a:lnRef>
+          <a:fillRef idx="1">
+            <a:schemeClr val="accent1"/>
+          </a:fillRef>
+          <a:effectRef idx="0">
+            <a:schemeClr val="accent1"/>
+          </a:effectRef>
+          <a:fontRef idx="minor">
+            <a:schemeClr val="lt1"/>
+          </a:fontRef>
+        </p:style>
+        <p:txBody>
+          <a:bodyPr rtlCol="0" anchor="ctr"/>
+          <a:lstStyle/>
+          <a:p>
+            <a:pPr algn="ctr"/>
+            <a:endParaRPr lang="en-US"/>
+          </a:p>
+        </p:txBody>
+      </p:sp>
+      <p:sp>
+        <p:nvSpPr>
+          <p:cNvPr id="15" name="Rectangle 14">
+            <a:extLst>
+              <a:ext uri="{FF2B5EF4-FFF2-40B4-BE49-F238E27FC236}">
+                <a16:creationId xmlns:a16="http://schemas.microsoft.com/office/drawing/2014/main" id="{C6A6B149-1684-8646-99F2-3CD1B87E8EBA}"/>
+              </a:ext>
+            </a:extLst>
+          </p:cNvPr>
+          <p:cNvSpPr/>
+          <p:nvPr/>
+        </p:nvSpPr>
+        <p:spPr>
+          <a:xfrm>
+            <a:off x="6095999" y="6721475"/>
+            <a:ext cx="6095999" cy="141525"/>
+          </a:xfrm>
+          <a:prstGeom prst="rect">
+            <a:avLst/>
+          </a:prstGeom>
+          <a:solidFill>
+            <a:schemeClr val="accent1">
+              <a:lumMod val="75000"/>
+            </a:schemeClr>
+          </a:solidFill>
+          <a:ln>
+            <a:solidFill>
+              <a:schemeClr val="tx1"/>
+            </a:solidFill>
+          </a:ln>
+        </p:spPr>
+        <p:style>
+          <a:lnRef idx="2">
+            <a:schemeClr val="accent1">
+              <a:shade val="50000"/>
+            </a:schemeClr>
+          </a:lnRef>
+          <a:fillRef idx="1">
+            <a:schemeClr val="accent1"/>
+          </a:fillRef>
+          <a:effectRef idx="0">
+            <a:schemeClr val="accent1"/>
+          </a:effectRef>
+          <a:fontRef idx="minor">
+            <a:schemeClr val="lt1"/>
+          </a:fontRef>
+        </p:style>
+        <p:txBody>
+          <a:bodyPr rtlCol="0" anchor="ctr"/>
+          <a:lstStyle/>
+          <a:p>
+            <a:pPr algn="ctr"/>
+            <a:endParaRPr lang="en-US"/>
+          </a:p>
+        </p:txBody>
+      </p:sp>
+      <p:sp>
+        <p:nvSpPr>
+          <p:cNvPr id="16" name="TextBox 15">
+            <a:extLst>
+              <a:ext uri="{FF2B5EF4-FFF2-40B4-BE49-F238E27FC236}">
+                <a16:creationId xmlns:a16="http://schemas.microsoft.com/office/drawing/2014/main" id="{5C800806-7879-5848-9018-53831A0D3F35}"/>
+              </a:ext>
+            </a:extLst>
+          </p:cNvPr>
+          <p:cNvSpPr txBox="1"/>
+          <p:nvPr/>
+        </p:nvSpPr>
+        <p:spPr>
+          <a:xfrm>
+            <a:off x="329653" y="5753160"/>
+            <a:ext cx="11024147" cy="461665"/>
+          </a:xfrm>
+          <a:prstGeom prst="rect">
+            <a:avLst/>
+          </a:prstGeom>
+          <a:noFill/>
+        </p:spPr>
+        <p:txBody>
+          <a:bodyPr wrap="square" rtlCol="0">
+            <a:spAutoFit/>
+          </a:bodyPr>
+          <a:lstStyle/>
+          <a:p>
+            <a:r>
+              <a:rPr lang="en-US" sz="1200" dirty="0"/>
+              <a:t>Image from: Li, </a:t>
+            </a:r>
+            <a:r>
+              <a:rPr lang="en-US" sz="1200" dirty="0" err="1"/>
+              <a:t>Vogelsberger</a:t>
+            </a:r>
+            <a:r>
+              <a:rPr lang="en-US" sz="1200" dirty="0"/>
+              <a:t>, </a:t>
+            </a:r>
+            <a:r>
+              <a:rPr lang="en-US" sz="1200" dirty="0" err="1"/>
+              <a:t>Marinacci</a:t>
+            </a:r>
+            <a:r>
+              <a:rPr lang="en-US" sz="1200" dirty="0"/>
+              <a:t>, Sales, and Torrey (2020)</a:t>
+            </a:r>
+          </a:p>
+          <a:p>
+            <a:r>
+              <a:rPr lang="en-US" sz="1200" dirty="0"/>
+              <a:t>Using AREPO (</a:t>
+            </a:r>
+            <a:r>
+              <a:rPr lang="en-US" sz="1200" dirty="0" err="1"/>
+              <a:t>Springel</a:t>
+            </a:r>
+            <a:r>
+              <a:rPr lang="en-US" sz="1200" dirty="0"/>
+              <a:t> 2010) with SMUGGLE (</a:t>
+            </a:r>
+            <a:r>
+              <a:rPr lang="en-US" sz="1200" dirty="0" err="1"/>
+              <a:t>Marinacci</a:t>
+            </a:r>
+            <a:r>
+              <a:rPr lang="en-US" sz="1200" dirty="0"/>
+              <a:t>, Sales, </a:t>
+            </a:r>
+            <a:r>
+              <a:rPr lang="en-US" sz="1200" dirty="0" err="1"/>
+              <a:t>Vogelsberger</a:t>
+            </a:r>
+            <a:r>
+              <a:rPr lang="en-US" sz="1200" dirty="0"/>
+              <a:t>, Torrey, and </a:t>
+            </a:r>
+            <a:r>
+              <a:rPr lang="en-US" sz="1200" dirty="0" err="1"/>
+              <a:t>Springel</a:t>
+            </a:r>
+            <a:r>
+              <a:rPr lang="en-US" sz="1200" dirty="0"/>
+              <a:t> 2019)</a:t>
+            </a:r>
+          </a:p>
+        </p:txBody>
+      </p:sp>
       <p:pic>
         <p:nvPicPr>
-          <p:cNvPr id="5" name="Picture 4" descr="Diagram&#10;&#10;Description automatically generated">
-            <a:extLst>
-              <a:ext uri="{FF2B5EF4-FFF2-40B4-BE49-F238E27FC236}">
-                <a16:creationId xmlns:a16="http://schemas.microsoft.com/office/drawing/2014/main" id="{8D214B63-4E88-3547-890E-A3349E40335C}"/>
+          <p:cNvPr id="5" name="Picture 4">
+            <a:extLst>
+              <a:ext uri="{FF2B5EF4-FFF2-40B4-BE49-F238E27FC236}">
+                <a16:creationId xmlns:a16="http://schemas.microsoft.com/office/drawing/2014/main" id="{15DD5B18-7C95-AA4F-918C-4146E5EAED6C}"/>
               </a:ext>
             </a:extLst>
           </p:cNvPr>
@@ -5753,218 +6377,25 @@
           <p:nvPr/>
         </p:nvPicPr>
         <p:blipFill>
-          <a:blip r:embed="rId2"/>
+          <a:blip r:embed="rId3"/>
           <a:stretch>
             <a:fillRect/>
           </a:stretch>
         </p:blipFill>
         <p:spPr>
           <a:xfrm>
-            <a:off x="0" y="1592412"/>
-            <a:ext cx="12192000" cy="4769224"/>
+            <a:off x="317956" y="1738703"/>
+            <a:ext cx="11764244" cy="3751840"/>
           </a:xfrm>
           <a:prstGeom prst="rect">
             <a:avLst/>
           </a:prstGeom>
         </p:spPr>
       </p:pic>
-      <p:sp>
-        <p:nvSpPr>
-          <p:cNvPr id="15" name="Rectangle 14">
-            <a:extLst>
-              <a:ext uri="{FF2B5EF4-FFF2-40B4-BE49-F238E27FC236}">
-                <a16:creationId xmlns:a16="http://schemas.microsoft.com/office/drawing/2014/main" id="{44FAF8F3-5171-9F47-BCDF-45B5DBD589FE}"/>
-              </a:ext>
-            </a:extLst>
-          </p:cNvPr>
-          <p:cNvSpPr/>
-          <p:nvPr/>
-        </p:nvSpPr>
-        <p:spPr>
-          <a:xfrm>
-            <a:off x="-11153" y="6721475"/>
-            <a:ext cx="12203151" cy="141525"/>
-          </a:xfrm>
-          <a:prstGeom prst="rect">
-            <a:avLst/>
-          </a:prstGeom>
-          <a:solidFill>
-            <a:schemeClr val="accent4">
-              <a:lumMod val="75000"/>
-            </a:schemeClr>
-          </a:solidFill>
-          <a:ln>
-            <a:solidFill>
-              <a:schemeClr val="tx1"/>
-            </a:solidFill>
-          </a:ln>
-        </p:spPr>
-        <p:style>
-          <a:lnRef idx="2">
-            <a:schemeClr val="accent1">
-              <a:shade val="50000"/>
-            </a:schemeClr>
-          </a:lnRef>
-          <a:fillRef idx="1">
-            <a:schemeClr val="accent1"/>
-          </a:fillRef>
-          <a:effectRef idx="0">
-            <a:schemeClr val="accent1"/>
-          </a:effectRef>
-          <a:fontRef idx="minor">
-            <a:schemeClr val="lt1"/>
-          </a:fontRef>
-        </p:style>
-        <p:txBody>
-          <a:bodyPr rtlCol="0" anchor="ctr"/>
-          <a:lstStyle/>
-          <a:p>
-            <a:pPr algn="ctr"/>
-            <a:endParaRPr lang="en-US"/>
-          </a:p>
-        </p:txBody>
-      </p:sp>
-      <p:sp>
-        <p:nvSpPr>
-          <p:cNvPr id="16" name="Rectangle 15">
-            <a:extLst>
-              <a:ext uri="{FF2B5EF4-FFF2-40B4-BE49-F238E27FC236}">
-                <a16:creationId xmlns:a16="http://schemas.microsoft.com/office/drawing/2014/main" id="{A2564587-9497-8A45-97F0-D9D76FFC95E1}"/>
-              </a:ext>
-            </a:extLst>
-          </p:cNvPr>
-          <p:cNvSpPr/>
-          <p:nvPr/>
-        </p:nvSpPr>
-        <p:spPr>
-          <a:xfrm>
-            <a:off x="6095999" y="6721475"/>
-            <a:ext cx="6095999" cy="141525"/>
-          </a:xfrm>
-          <a:prstGeom prst="rect">
-            <a:avLst/>
-          </a:prstGeom>
-          <a:solidFill>
-            <a:schemeClr val="accent1">
-              <a:lumMod val="75000"/>
-            </a:schemeClr>
-          </a:solidFill>
-          <a:ln>
-            <a:solidFill>
-              <a:schemeClr val="tx1"/>
-            </a:solidFill>
-          </a:ln>
-        </p:spPr>
-        <p:style>
-          <a:lnRef idx="2">
-            <a:schemeClr val="accent1">
-              <a:shade val="50000"/>
-            </a:schemeClr>
-          </a:lnRef>
-          <a:fillRef idx="1">
-            <a:schemeClr val="accent1"/>
-          </a:fillRef>
-          <a:effectRef idx="0">
-            <a:schemeClr val="accent1"/>
-          </a:effectRef>
-          <a:fontRef idx="minor">
-            <a:schemeClr val="lt1"/>
-          </a:fontRef>
-        </p:style>
-        <p:txBody>
-          <a:bodyPr rtlCol="0" anchor="ctr"/>
-          <a:lstStyle/>
-          <a:p>
-            <a:pPr algn="ctr"/>
-            <a:endParaRPr lang="en-US"/>
-          </a:p>
-        </p:txBody>
-      </p:sp>
-      <p:sp>
-        <p:nvSpPr>
-          <p:cNvPr id="17" name="TextBox 16">
-            <a:extLst>
-              <a:ext uri="{FF2B5EF4-FFF2-40B4-BE49-F238E27FC236}">
-                <a16:creationId xmlns:a16="http://schemas.microsoft.com/office/drawing/2014/main" id="{ADAFBD3F-3F6C-8247-B1D3-CD25765E9C47}"/>
-              </a:ext>
-            </a:extLst>
-          </p:cNvPr>
-          <p:cNvSpPr txBox="1"/>
-          <p:nvPr/>
-        </p:nvSpPr>
-        <p:spPr>
-          <a:xfrm>
-            <a:off x="-11153" y="6283231"/>
-            <a:ext cx="11024147" cy="430887"/>
-          </a:xfrm>
-          <a:prstGeom prst="rect">
-            <a:avLst/>
-          </a:prstGeom>
-          <a:noFill/>
-        </p:spPr>
-        <p:txBody>
-          <a:bodyPr wrap="square" rtlCol="0">
-            <a:spAutoFit/>
-          </a:bodyPr>
-          <a:lstStyle/>
-          <a:p>
-            <a:r>
-              <a:rPr lang="en-US" sz="1100" dirty="0"/>
-              <a:t>FLASH: Fryxell et al. (2000) with FERVENT: </a:t>
-            </a:r>
-            <a:r>
-              <a:rPr lang="en-US" sz="1100" dirty="0" err="1"/>
-              <a:t>Baczynski</a:t>
-            </a:r>
-            <a:r>
-              <a:rPr lang="en-US" sz="1100" dirty="0"/>
-              <a:t>, Glover, and </a:t>
-            </a:r>
-            <a:r>
-              <a:rPr lang="en-US" sz="1100" dirty="0" err="1"/>
-              <a:t>Klessen</a:t>
-            </a:r>
-            <a:r>
-              <a:rPr lang="en-US" sz="1100" dirty="0"/>
-              <a:t> (2015)</a:t>
-            </a:r>
-          </a:p>
-          <a:p>
-            <a:r>
-              <a:rPr lang="en-US" sz="1100" dirty="0"/>
-              <a:t>AMUSE: </a:t>
-            </a:r>
-            <a:r>
-              <a:rPr lang="en-US" sz="1100" dirty="0" err="1"/>
-              <a:t>Portegies</a:t>
-            </a:r>
-            <a:r>
-              <a:rPr lang="en-US" sz="1100" dirty="0"/>
-              <a:t> Zwart et al. (2009, 2013); </a:t>
-            </a:r>
-            <a:r>
-              <a:rPr lang="en-US" sz="1100" dirty="0" err="1"/>
-              <a:t>Pelupessy</a:t>
-            </a:r>
-            <a:r>
-              <a:rPr lang="en-US" sz="1100" dirty="0"/>
-              <a:t> et al. (2013); </a:t>
-            </a:r>
-            <a:r>
-              <a:rPr lang="en-US" sz="1100" dirty="0" err="1"/>
-              <a:t>Portegies</a:t>
-            </a:r>
-            <a:r>
-              <a:rPr lang="en-US" sz="1100" dirty="0"/>
-              <a:t> Zwart &amp; McMillan (2019)</a:t>
-            </a:r>
-          </a:p>
-        </p:txBody>
-      </p:sp>
     </p:spTree>
     <p:extLst>
       <p:ext uri="{BB962C8B-B14F-4D97-AF65-F5344CB8AC3E}">
-        <p14:creationId xmlns:p14="http://schemas.microsoft.com/office/powerpoint/2010/main" val="2394618686"/>
+        <p14:creationId xmlns:p14="http://schemas.microsoft.com/office/powerpoint/2010/main" val="2584128299"/>
       </p:ext>
     </p:extLst>
   </p:cSld>
@@ -6005,8 +6436,8 @@
         </p:nvSpPr>
         <p:spPr>
           <a:xfrm>
-            <a:off x="-11153" y="266849"/>
-            <a:ext cx="12203153" cy="848273"/>
+            <a:off x="-11153" y="266848"/>
+            <a:ext cx="12203153" cy="950976"/>
           </a:xfrm>
           <a:prstGeom prst="rect">
             <a:avLst/>
@@ -6064,7 +6495,7 @@
         </p:nvSpPr>
         <p:spPr>
           <a:xfrm>
-            <a:off x="128239" y="22302"/>
+            <a:off x="128239" y="79554"/>
             <a:ext cx="12550698" cy="1325563"/>
           </a:xfrm>
         </p:spPr>
@@ -6082,8 +6513,12 @@
               <a:rPr lang="en-US" dirty="0"/>
             </a:br>
             <a:r>
-              <a:rPr lang="en-US" sz="2000" dirty="0"/>
-              <a:t>Using the Torch computational framework</a:t>
+              <a:rPr lang="en-US" sz="2700" dirty="0"/>
+              <a:t>The Logic of </a:t>
+            </a:r>
+            <a:r>
+              <a:rPr lang="en-US" sz="2700" dirty="0" err="1"/>
+              <a:t>VorAMR</a:t>
             </a:r>
             <a:endParaRPr lang="en-US" dirty="0"/>
           </a:p>
@@ -6268,40 +6703,10 @@
       </p:sp>
       <p:pic>
         <p:nvPicPr>
-          <p:cNvPr id="5" name="Picture 4" descr="A picture containing background pattern&#10;&#10;Description automatically generated">
-            <a:extLst>
-              <a:ext uri="{FF2B5EF4-FFF2-40B4-BE49-F238E27FC236}">
-                <a16:creationId xmlns:a16="http://schemas.microsoft.com/office/drawing/2014/main" id="{CE4BA219-A213-6A45-9369-8360C9B233B6}"/>
-              </a:ext>
-            </a:extLst>
-          </p:cNvPr>
-          <p:cNvPicPr>
-            <a:picLocks noChangeAspect="1"/>
-          </p:cNvPicPr>
-          <p:nvPr/>
-        </p:nvPicPr>
-        <p:blipFill>
-          <a:blip r:embed="rId2"/>
-          <a:stretch>
-            <a:fillRect/>
-          </a:stretch>
-        </p:blipFill>
-        <p:spPr>
-          <a:xfrm>
-            <a:off x="8066024" y="2057192"/>
-            <a:ext cx="3832351" cy="3739022"/>
-          </a:xfrm>
-          <a:prstGeom prst="rect">
-            <a:avLst/>
-          </a:prstGeom>
-        </p:spPr>
-      </p:pic>
-      <p:pic>
-        <p:nvPicPr>
-          <p:cNvPr id="7" name="Picture 6" descr="Diagram, schematic&#10;&#10;Description automatically generated">
-            <a:extLst>
-              <a:ext uri="{FF2B5EF4-FFF2-40B4-BE49-F238E27FC236}">
-                <a16:creationId xmlns:a16="http://schemas.microsoft.com/office/drawing/2014/main" id="{5BBCCF4C-CC6C-B542-BE19-77C464B2CBCF}"/>
+          <p:cNvPr id="5" name="Picture 4" descr="Diagram&#10;&#10;Description automatically generated">
+            <a:extLst>
+              <a:ext uri="{FF2B5EF4-FFF2-40B4-BE49-F238E27FC236}">
+                <a16:creationId xmlns:a16="http://schemas.microsoft.com/office/drawing/2014/main" id="{8D214B63-4E88-3547-890E-A3349E40335C}"/>
               </a:ext>
             </a:extLst>
           </p:cNvPr>
@@ -6318,155 +6723,20 @@
         </p:blipFill>
         <p:spPr>
           <a:xfrm>
-            <a:off x="4125977" y="2057192"/>
-            <a:ext cx="3785255" cy="3739022"/>
+            <a:off x="0" y="1592412"/>
+            <a:ext cx="12192000" cy="4769224"/>
           </a:xfrm>
           <a:prstGeom prst="rect">
             <a:avLst/>
           </a:prstGeom>
         </p:spPr>
       </p:pic>
-      <p:pic>
-        <p:nvPicPr>
-          <p:cNvPr id="15" name="Picture 14" descr="Map&#10;&#10;Description automatically generated">
-            <a:extLst>
-              <a:ext uri="{FF2B5EF4-FFF2-40B4-BE49-F238E27FC236}">
-                <a16:creationId xmlns:a16="http://schemas.microsoft.com/office/drawing/2014/main" id="{25BBD64B-7DA0-404A-8CB0-2232F39F570D}"/>
-              </a:ext>
-            </a:extLst>
-          </p:cNvPr>
-          <p:cNvPicPr>
-            <a:picLocks noChangeAspect="1"/>
-          </p:cNvPicPr>
-          <p:nvPr/>
-        </p:nvPicPr>
-        <p:blipFill>
-          <a:blip r:embed="rId4"/>
-          <a:stretch>
-            <a:fillRect/>
-          </a:stretch>
-        </p:blipFill>
-        <p:spPr>
-          <a:xfrm>
-            <a:off x="128239" y="2111660"/>
-            <a:ext cx="3879560" cy="3630087"/>
-          </a:xfrm>
-          <a:prstGeom prst="rect">
-            <a:avLst/>
-          </a:prstGeom>
-        </p:spPr>
-      </p:pic>
-      <p:sp>
-        <p:nvSpPr>
-          <p:cNvPr id="16" name="TextBox 15">
-            <a:extLst>
-              <a:ext uri="{FF2B5EF4-FFF2-40B4-BE49-F238E27FC236}">
-                <a16:creationId xmlns:a16="http://schemas.microsoft.com/office/drawing/2014/main" id="{F547ADEA-6366-7F47-AE7F-8FBE93AA1FDE}"/>
-              </a:ext>
-            </a:extLst>
-          </p:cNvPr>
-          <p:cNvSpPr txBox="1"/>
-          <p:nvPr/>
-        </p:nvSpPr>
-        <p:spPr>
-          <a:xfrm>
-            <a:off x="1148576" y="1742328"/>
-            <a:ext cx="2297151" cy="369332"/>
-          </a:xfrm>
-          <a:prstGeom prst="rect">
-            <a:avLst/>
-          </a:prstGeom>
-          <a:noFill/>
-        </p:spPr>
-        <p:txBody>
-          <a:bodyPr wrap="square" rtlCol="0">
-            <a:spAutoFit/>
-          </a:bodyPr>
-          <a:lstStyle/>
-          <a:p>
-            <a:r>
-              <a:rPr lang="en-US" dirty="0"/>
-              <a:t>AREPO Voronoi Mesh</a:t>
-            </a:r>
-          </a:p>
-        </p:txBody>
-      </p:sp>
-      <p:sp>
-        <p:nvSpPr>
-          <p:cNvPr id="17" name="TextBox 16">
-            <a:extLst>
-              <a:ext uri="{FF2B5EF4-FFF2-40B4-BE49-F238E27FC236}">
-                <a16:creationId xmlns:a16="http://schemas.microsoft.com/office/drawing/2014/main" id="{820D51A8-7609-9043-B759-DF7F2E2BFD73}"/>
-              </a:ext>
-            </a:extLst>
-          </p:cNvPr>
-          <p:cNvSpPr txBox="1"/>
-          <p:nvPr/>
-        </p:nvSpPr>
-        <p:spPr>
-          <a:xfrm>
-            <a:off x="5392397" y="1742328"/>
-            <a:ext cx="2297151" cy="369332"/>
-          </a:xfrm>
-          <a:prstGeom prst="rect">
-            <a:avLst/>
-          </a:prstGeom>
-          <a:noFill/>
-        </p:spPr>
-        <p:txBody>
-          <a:bodyPr wrap="square" rtlCol="0">
-            <a:spAutoFit/>
-          </a:bodyPr>
-          <a:lstStyle/>
-          <a:p>
-            <a:r>
-              <a:rPr lang="en-US" dirty="0"/>
-              <a:t>FLASH AMR Grid</a:t>
-            </a:r>
-          </a:p>
-        </p:txBody>
-      </p:sp>
-      <p:sp>
-        <p:nvSpPr>
-          <p:cNvPr id="18" name="TextBox 17">
-            <a:extLst>
-              <a:ext uri="{FF2B5EF4-FFF2-40B4-BE49-F238E27FC236}">
-                <a16:creationId xmlns:a16="http://schemas.microsoft.com/office/drawing/2014/main" id="{E73A763F-75C0-7247-8D7A-ECBE4C11AFB8}"/>
-              </a:ext>
-            </a:extLst>
-          </p:cNvPr>
-          <p:cNvSpPr txBox="1"/>
-          <p:nvPr/>
-        </p:nvSpPr>
-        <p:spPr>
-          <a:xfrm>
-            <a:off x="8801176" y="1742328"/>
-            <a:ext cx="3097199" cy="369332"/>
-          </a:xfrm>
-          <a:prstGeom prst="rect">
-            <a:avLst/>
-          </a:prstGeom>
-          <a:noFill/>
-        </p:spPr>
-        <p:txBody>
-          <a:bodyPr wrap="square" rtlCol="0">
-            <a:spAutoFit/>
-          </a:bodyPr>
-          <a:lstStyle/>
-          <a:p>
-            <a:r>
-              <a:rPr lang="en-US" dirty="0"/>
-              <a:t>Populated FLASH AMR Grid</a:t>
-            </a:r>
-          </a:p>
-        </p:txBody>
-      </p:sp>
-      <p:sp>
-        <p:nvSpPr>
-          <p:cNvPr id="20" name="Rectangle 19">
-            <a:extLst>
-              <a:ext uri="{FF2B5EF4-FFF2-40B4-BE49-F238E27FC236}">
-                <a16:creationId xmlns:a16="http://schemas.microsoft.com/office/drawing/2014/main" id="{6DBDC22C-A173-0245-A79B-D4E5D77E24A5}"/>
+      <p:sp>
+        <p:nvSpPr>
+          <p:cNvPr id="15" name="Rectangle 14">
+            <a:extLst>
+              <a:ext uri="{FF2B5EF4-FFF2-40B4-BE49-F238E27FC236}">
+                <a16:creationId xmlns:a16="http://schemas.microsoft.com/office/drawing/2014/main" id="{44FAF8F3-5171-9F47-BCDF-45B5DBD589FE}"/>
               </a:ext>
             </a:extLst>
           </p:cNvPr>
@@ -6519,10 +6789,10 @@
       </p:sp>
       <p:sp>
         <p:nvSpPr>
-          <p:cNvPr id="21" name="Rectangle 20">
-            <a:extLst>
-              <a:ext uri="{FF2B5EF4-FFF2-40B4-BE49-F238E27FC236}">
-                <a16:creationId xmlns:a16="http://schemas.microsoft.com/office/drawing/2014/main" id="{226C84BE-AC47-4E49-9DB7-C906DC245560}"/>
+          <p:cNvPr id="16" name="Rectangle 15">
+            <a:extLst>
+              <a:ext uri="{FF2B5EF4-FFF2-40B4-BE49-F238E27FC236}">
+                <a16:creationId xmlns:a16="http://schemas.microsoft.com/office/drawing/2014/main" id="{A2564587-9497-8A45-97F0-D9D76FFC95E1}"/>
               </a:ext>
             </a:extLst>
           </p:cNvPr>
@@ -6573,10 +6843,91 @@
           </a:p>
         </p:txBody>
       </p:sp>
+      <p:sp>
+        <p:nvSpPr>
+          <p:cNvPr id="17" name="TextBox 16">
+            <a:extLst>
+              <a:ext uri="{FF2B5EF4-FFF2-40B4-BE49-F238E27FC236}">
+                <a16:creationId xmlns:a16="http://schemas.microsoft.com/office/drawing/2014/main" id="{ADAFBD3F-3F6C-8247-B1D3-CD25765E9C47}"/>
+              </a:ext>
+            </a:extLst>
+          </p:cNvPr>
+          <p:cNvSpPr txBox="1"/>
+          <p:nvPr/>
+        </p:nvSpPr>
+        <p:spPr>
+          <a:xfrm>
+            <a:off x="-11153" y="6283231"/>
+            <a:ext cx="11024147" cy="430887"/>
+          </a:xfrm>
+          <a:prstGeom prst="rect">
+            <a:avLst/>
+          </a:prstGeom>
+          <a:noFill/>
+        </p:spPr>
+        <p:txBody>
+          <a:bodyPr wrap="square" rtlCol="0">
+            <a:spAutoFit/>
+          </a:bodyPr>
+          <a:lstStyle/>
+          <a:p>
+            <a:r>
+              <a:rPr lang="en-US" sz="1100" dirty="0"/>
+              <a:t>FLASH: Fryxell et al. (2000) with FERVENT: </a:t>
+            </a:r>
+            <a:r>
+              <a:rPr lang="en-US" sz="1100" dirty="0" err="1"/>
+              <a:t>Baczynski</a:t>
+            </a:r>
+            <a:r>
+              <a:rPr lang="en-US" sz="1100" dirty="0"/>
+              <a:t>, Glover, and </a:t>
+            </a:r>
+            <a:r>
+              <a:rPr lang="en-US" sz="1100" dirty="0" err="1"/>
+              <a:t>Klessen</a:t>
+            </a:r>
+            <a:r>
+              <a:rPr lang="en-US" sz="1100" dirty="0"/>
+              <a:t> (2015)</a:t>
+            </a:r>
+          </a:p>
+          <a:p>
+            <a:r>
+              <a:rPr lang="en-US" sz="1100" dirty="0"/>
+              <a:t>AMUSE: </a:t>
+            </a:r>
+            <a:r>
+              <a:rPr lang="en-US" sz="1100" dirty="0" err="1"/>
+              <a:t>Portegies</a:t>
+            </a:r>
+            <a:r>
+              <a:rPr lang="en-US" sz="1100" dirty="0"/>
+              <a:t> Zwart et al. (2009, 2013); </a:t>
+            </a:r>
+            <a:r>
+              <a:rPr lang="en-US" sz="1100" dirty="0" err="1"/>
+              <a:t>Pelupessy</a:t>
+            </a:r>
+            <a:r>
+              <a:rPr lang="en-US" sz="1100" dirty="0"/>
+              <a:t> et al. (2013); </a:t>
+            </a:r>
+            <a:r>
+              <a:rPr lang="en-US" sz="1100" dirty="0" err="1"/>
+              <a:t>Portegies</a:t>
+            </a:r>
+            <a:r>
+              <a:rPr lang="en-US" sz="1100" dirty="0"/>
+              <a:t> Zwart &amp; McMillan (2019)</a:t>
+            </a:r>
+          </a:p>
+        </p:txBody>
+      </p:sp>
     </p:spTree>
     <p:extLst>
       <p:ext uri="{BB962C8B-B14F-4D97-AF65-F5344CB8AC3E}">
-        <p14:creationId xmlns:p14="http://schemas.microsoft.com/office/powerpoint/2010/main" val="195832425"/>
+        <p14:creationId xmlns:p14="http://schemas.microsoft.com/office/powerpoint/2010/main" val="2394618686"/>
       </p:ext>
     </p:extLst>
   </p:cSld>
@@ -6617,8 +6968,8 @@
         </p:nvSpPr>
         <p:spPr>
           <a:xfrm>
-            <a:off x="-11153" y="266849"/>
-            <a:ext cx="12203153" cy="848273"/>
+            <a:off x="-11153" y="266848"/>
+            <a:ext cx="12203153" cy="950976"/>
           </a:xfrm>
           <a:prstGeom prst="rect">
             <a:avLst/>
@@ -6655,6 +7006,53 @@
           <a:p>
             <a:pPr algn="ctr"/>
             <a:endParaRPr lang="en-US"/>
+          </a:p>
+        </p:txBody>
+      </p:sp>
+      <p:sp>
+        <p:nvSpPr>
+          <p:cNvPr id="2" name="Title 1">
+            <a:extLst>
+              <a:ext uri="{FF2B5EF4-FFF2-40B4-BE49-F238E27FC236}">
+                <a16:creationId xmlns:a16="http://schemas.microsoft.com/office/drawing/2014/main" id="{F070C32C-AAC7-6142-9FA0-038C34759DD9}"/>
+              </a:ext>
+            </a:extLst>
+          </p:cNvPr>
+          <p:cNvSpPr>
+            <a:spLocks noGrp="1"/>
+          </p:cNvSpPr>
+          <p:nvPr>
+            <p:ph type="title"/>
+          </p:nvPr>
+        </p:nvSpPr>
+        <p:spPr>
+          <a:xfrm>
+            <a:off x="128239" y="79554"/>
+            <a:ext cx="12550698" cy="1325563"/>
+          </a:xfrm>
+        </p:spPr>
+        <p:txBody>
+          <a:bodyPr>
+            <a:normAutofit fontScale="90000"/>
+          </a:bodyPr>
+          <a:lstStyle/>
+          <a:p>
+            <a:r>
+              <a:rPr lang="en-US" dirty="0"/>
+              <a:t>In Pursuit of a Self-Consistent Star Formation Simulation</a:t>
+            </a:r>
+            <a:br>
+              <a:rPr lang="en-US" dirty="0"/>
+            </a:br>
+            <a:r>
+              <a:rPr lang="en-US" sz="2700" dirty="0" err="1"/>
+              <a:t>VorAMR</a:t>
+            </a:r>
+            <a:r>
+              <a:rPr lang="en-US" sz="2700" dirty="0"/>
+              <a:t> in action</a:t>
+            </a:r>
+            <a:endParaRPr lang="en-US" dirty="0"/>
           </a:p>
         </p:txBody>
       </p:sp>
@@ -6784,8 +7182,8 @@
         </p:nvSpPr>
         <p:spPr>
           <a:xfrm>
-            <a:off x="4942703" y="-44504"/>
-            <a:ext cx="1257375" cy="338554"/>
+            <a:off x="5185317" y="-44504"/>
+            <a:ext cx="1014761" cy="338554"/>
           </a:xfrm>
           <a:prstGeom prst="rect">
             <a:avLst/>
@@ -6799,9 +7197,10 @@
           <a:lstStyle/>
           <a:p>
             <a:r>
-              <a:rPr lang="en-US" sz="1600" dirty="0"/>
-              <a:t>Conclusions</a:t>
-            </a:r>
+              <a:rPr lang="en-US" sz="1600" dirty="0" err="1"/>
+              <a:t>VorAMR</a:t>
+            </a:r>
+            <a:endParaRPr lang="en-US" sz="1600" dirty="0"/>
           </a:p>
         </p:txBody>
       </p:sp>
@@ -6829,6 +7228,574 @@
             <a:fld id="{65474944-1CC5-1C47-81B3-697EFA724E71}" type="slidenum">
               <a:rPr lang="en-US" smtClean="0"/>
               <a:t>13</a:t>
+            </a:fld>
+            <a:endParaRPr lang="en-US"/>
+          </a:p>
+        </p:txBody>
+      </p:sp>
+      <p:pic>
+        <p:nvPicPr>
+          <p:cNvPr id="5" name="Picture 4" descr="A picture containing background pattern&#10;&#10;Description automatically generated">
+            <a:extLst>
+              <a:ext uri="{FF2B5EF4-FFF2-40B4-BE49-F238E27FC236}">
+                <a16:creationId xmlns:a16="http://schemas.microsoft.com/office/drawing/2014/main" id="{CE4BA219-A213-6A45-9369-8360C9B233B6}"/>
+              </a:ext>
+            </a:extLst>
+          </p:cNvPr>
+          <p:cNvPicPr>
+            <a:picLocks noChangeAspect="1"/>
+          </p:cNvPicPr>
+          <p:nvPr/>
+        </p:nvPicPr>
+        <p:blipFill>
+          <a:blip r:embed="rId2"/>
+          <a:stretch>
+            <a:fillRect/>
+          </a:stretch>
+        </p:blipFill>
+        <p:spPr>
+          <a:xfrm>
+            <a:off x="8066024" y="2057192"/>
+            <a:ext cx="3832351" cy="3739022"/>
+          </a:xfrm>
+          <a:prstGeom prst="rect">
+            <a:avLst/>
+          </a:prstGeom>
+        </p:spPr>
+      </p:pic>
+      <p:pic>
+        <p:nvPicPr>
+          <p:cNvPr id="7" name="Picture 6" descr="Diagram, schematic&#10;&#10;Description automatically generated">
+            <a:extLst>
+              <a:ext uri="{FF2B5EF4-FFF2-40B4-BE49-F238E27FC236}">
+                <a16:creationId xmlns:a16="http://schemas.microsoft.com/office/drawing/2014/main" id="{5BBCCF4C-CC6C-B542-BE19-77C464B2CBCF}"/>
+              </a:ext>
+            </a:extLst>
+          </p:cNvPr>
+          <p:cNvPicPr>
+            <a:picLocks noChangeAspect="1"/>
+          </p:cNvPicPr>
+          <p:nvPr/>
+        </p:nvPicPr>
+        <p:blipFill>
+          <a:blip r:embed="rId3"/>
+          <a:stretch>
+            <a:fillRect/>
+          </a:stretch>
+        </p:blipFill>
+        <p:spPr>
+          <a:xfrm>
+            <a:off x="4125977" y="2057192"/>
+            <a:ext cx="3785255" cy="3739022"/>
+          </a:xfrm>
+          <a:prstGeom prst="rect">
+            <a:avLst/>
+          </a:prstGeom>
+        </p:spPr>
+      </p:pic>
+      <p:pic>
+        <p:nvPicPr>
+          <p:cNvPr id="15" name="Picture 14" descr="Map&#10;&#10;Description automatically generated">
+            <a:extLst>
+              <a:ext uri="{FF2B5EF4-FFF2-40B4-BE49-F238E27FC236}">
+                <a16:creationId xmlns:a16="http://schemas.microsoft.com/office/drawing/2014/main" id="{25BBD64B-7DA0-404A-8CB0-2232F39F570D}"/>
+              </a:ext>
+            </a:extLst>
+          </p:cNvPr>
+          <p:cNvPicPr>
+            <a:picLocks noChangeAspect="1"/>
+          </p:cNvPicPr>
+          <p:nvPr/>
+        </p:nvPicPr>
+        <p:blipFill>
+          <a:blip r:embed="rId4"/>
+          <a:stretch>
+            <a:fillRect/>
+          </a:stretch>
+        </p:blipFill>
+        <p:spPr>
+          <a:xfrm>
+            <a:off x="128239" y="2111660"/>
+            <a:ext cx="3879560" cy="3630087"/>
+          </a:xfrm>
+          <a:prstGeom prst="rect">
+            <a:avLst/>
+          </a:prstGeom>
+        </p:spPr>
+      </p:pic>
+      <p:sp>
+        <p:nvSpPr>
+          <p:cNvPr id="16" name="TextBox 15">
+            <a:extLst>
+              <a:ext uri="{FF2B5EF4-FFF2-40B4-BE49-F238E27FC236}">
+                <a16:creationId xmlns:a16="http://schemas.microsoft.com/office/drawing/2014/main" id="{F547ADEA-6366-7F47-AE7F-8FBE93AA1FDE}"/>
+              </a:ext>
+            </a:extLst>
+          </p:cNvPr>
+          <p:cNvSpPr txBox="1"/>
+          <p:nvPr/>
+        </p:nvSpPr>
+        <p:spPr>
+          <a:xfrm>
+            <a:off x="1148576" y="1742328"/>
+            <a:ext cx="2297151" cy="369332"/>
+          </a:xfrm>
+          <a:prstGeom prst="rect">
+            <a:avLst/>
+          </a:prstGeom>
+          <a:noFill/>
+        </p:spPr>
+        <p:txBody>
+          <a:bodyPr wrap="square" rtlCol="0">
+            <a:spAutoFit/>
+          </a:bodyPr>
+          <a:lstStyle/>
+          <a:p>
+            <a:r>
+              <a:rPr lang="en-US" dirty="0"/>
+              <a:t>AREPO Voronoi Mesh</a:t>
+            </a:r>
+          </a:p>
+        </p:txBody>
+      </p:sp>
+      <p:sp>
+        <p:nvSpPr>
+          <p:cNvPr id="17" name="TextBox 16">
+            <a:extLst>
+              <a:ext uri="{FF2B5EF4-FFF2-40B4-BE49-F238E27FC236}">
+                <a16:creationId xmlns:a16="http://schemas.microsoft.com/office/drawing/2014/main" id="{820D51A8-7609-9043-B759-DF7F2E2BFD73}"/>
+              </a:ext>
+            </a:extLst>
+          </p:cNvPr>
+          <p:cNvSpPr txBox="1"/>
+          <p:nvPr/>
+        </p:nvSpPr>
+        <p:spPr>
+          <a:xfrm>
+            <a:off x="4292309" y="1742328"/>
+            <a:ext cx="3879559" cy="369332"/>
+          </a:xfrm>
+          <a:prstGeom prst="rect">
+            <a:avLst/>
+          </a:prstGeom>
+          <a:noFill/>
+        </p:spPr>
+        <p:txBody>
+          <a:bodyPr wrap="square" rtlCol="0">
+            <a:spAutoFit/>
+          </a:bodyPr>
+          <a:lstStyle/>
+          <a:p>
+            <a:r>
+              <a:rPr lang="en-US" dirty="0"/>
+              <a:t>FLASH Adaptive Mesh Refinement Grid</a:t>
+            </a:r>
+          </a:p>
+        </p:txBody>
+      </p:sp>
+      <p:sp>
+        <p:nvSpPr>
+          <p:cNvPr id="18" name="TextBox 17">
+            <a:extLst>
+              <a:ext uri="{FF2B5EF4-FFF2-40B4-BE49-F238E27FC236}">
+                <a16:creationId xmlns:a16="http://schemas.microsoft.com/office/drawing/2014/main" id="{E73A763F-75C0-7247-8D7A-ECBE4C11AFB8}"/>
+              </a:ext>
+            </a:extLst>
+          </p:cNvPr>
+          <p:cNvSpPr txBox="1"/>
+          <p:nvPr/>
+        </p:nvSpPr>
+        <p:spPr>
+          <a:xfrm>
+            <a:off x="8801176" y="1742328"/>
+            <a:ext cx="3097199" cy="369332"/>
+          </a:xfrm>
+          <a:prstGeom prst="rect">
+            <a:avLst/>
+          </a:prstGeom>
+          <a:noFill/>
+        </p:spPr>
+        <p:txBody>
+          <a:bodyPr wrap="square" rtlCol="0">
+            <a:spAutoFit/>
+          </a:bodyPr>
+          <a:lstStyle/>
+          <a:p>
+            <a:r>
+              <a:rPr lang="en-US" dirty="0"/>
+              <a:t>Populated FLASH AMR Grid</a:t>
+            </a:r>
+          </a:p>
+        </p:txBody>
+      </p:sp>
+      <p:sp>
+        <p:nvSpPr>
+          <p:cNvPr id="20" name="Rectangle 19">
+            <a:extLst>
+              <a:ext uri="{FF2B5EF4-FFF2-40B4-BE49-F238E27FC236}">
+                <a16:creationId xmlns:a16="http://schemas.microsoft.com/office/drawing/2014/main" id="{6DBDC22C-A173-0245-A79B-D4E5D77E24A5}"/>
+              </a:ext>
+            </a:extLst>
+          </p:cNvPr>
+          <p:cNvSpPr/>
+          <p:nvPr/>
+        </p:nvSpPr>
+        <p:spPr>
+          <a:xfrm>
+            <a:off x="-11153" y="6721475"/>
+            <a:ext cx="12203151" cy="141525"/>
+          </a:xfrm>
+          <a:prstGeom prst="rect">
+            <a:avLst/>
+          </a:prstGeom>
+          <a:solidFill>
+            <a:schemeClr val="accent4">
+              <a:lumMod val="75000"/>
+            </a:schemeClr>
+          </a:solidFill>
+          <a:ln>
+            <a:solidFill>
+              <a:schemeClr val="tx1"/>
+            </a:solidFill>
+          </a:ln>
+        </p:spPr>
+        <p:style>
+          <a:lnRef idx="2">
+            <a:schemeClr val="accent1">
+              <a:shade val="50000"/>
+            </a:schemeClr>
+          </a:lnRef>
+          <a:fillRef idx="1">
+            <a:schemeClr val="accent1"/>
+          </a:fillRef>
+          <a:effectRef idx="0">
+            <a:schemeClr val="accent1"/>
+          </a:effectRef>
+          <a:fontRef idx="minor">
+            <a:schemeClr val="lt1"/>
+          </a:fontRef>
+        </p:style>
+        <p:txBody>
+          <a:bodyPr rtlCol="0" anchor="ctr"/>
+          <a:lstStyle/>
+          <a:p>
+            <a:pPr algn="ctr"/>
+            <a:endParaRPr lang="en-US"/>
+          </a:p>
+        </p:txBody>
+      </p:sp>
+      <p:sp>
+        <p:nvSpPr>
+          <p:cNvPr id="21" name="Rectangle 20">
+            <a:extLst>
+              <a:ext uri="{FF2B5EF4-FFF2-40B4-BE49-F238E27FC236}">
+                <a16:creationId xmlns:a16="http://schemas.microsoft.com/office/drawing/2014/main" id="{226C84BE-AC47-4E49-9DB7-C906DC245560}"/>
+              </a:ext>
+            </a:extLst>
+          </p:cNvPr>
+          <p:cNvSpPr/>
+          <p:nvPr/>
+        </p:nvSpPr>
+        <p:spPr>
+          <a:xfrm>
+            <a:off x="6095999" y="6721475"/>
+            <a:ext cx="6095999" cy="141525"/>
+          </a:xfrm>
+          <a:prstGeom prst="rect">
+            <a:avLst/>
+          </a:prstGeom>
+          <a:solidFill>
+            <a:schemeClr val="accent1">
+              <a:lumMod val="75000"/>
+            </a:schemeClr>
+          </a:solidFill>
+          <a:ln>
+            <a:solidFill>
+              <a:schemeClr val="tx1"/>
+            </a:solidFill>
+          </a:ln>
+        </p:spPr>
+        <p:style>
+          <a:lnRef idx="2">
+            <a:schemeClr val="accent1">
+              <a:shade val="50000"/>
+            </a:schemeClr>
+          </a:lnRef>
+          <a:fillRef idx="1">
+            <a:schemeClr val="accent1"/>
+          </a:fillRef>
+          <a:effectRef idx="0">
+            <a:schemeClr val="accent1"/>
+          </a:effectRef>
+          <a:fontRef idx="minor">
+            <a:schemeClr val="lt1"/>
+          </a:fontRef>
+        </p:style>
+        <p:txBody>
+          <a:bodyPr rtlCol="0" anchor="ctr"/>
+          <a:lstStyle/>
+          <a:p>
+            <a:pPr algn="ctr"/>
+            <a:endParaRPr lang="en-US"/>
+          </a:p>
+        </p:txBody>
+      </p:sp>
+    </p:spTree>
+    <p:extLst>
+      <p:ext uri="{BB962C8B-B14F-4D97-AF65-F5344CB8AC3E}">
+        <p14:creationId xmlns:p14="http://schemas.microsoft.com/office/powerpoint/2010/main" val="195832425"/>
+      </p:ext>
+    </p:extLst>
+  </p:cSld>
+  <p:clrMapOvr>
+    <a:masterClrMapping/>
+  </p:clrMapOvr>
+</p:sld>
+</file>
+
+<file path=ppt/slides/slide14.xml><?xml version="1.0" encoding="utf-8"?>
+<p:sld xmlns:a="http://schemas.openxmlformats.org/drawingml/2006/main" xmlns:r="http://schemas.openxmlformats.org/officeDocument/2006/relationships" xmlns:p="http://schemas.openxmlformats.org/presentationml/2006/main">
+  <p:cSld>
+    <p:spTree>
+      <p:nvGrpSpPr>
+        <p:cNvPr id="1" name=""/>
+        <p:cNvGrpSpPr/>
+        <p:nvPr/>
+      </p:nvGrpSpPr>
+      <p:grpSpPr>
+        <a:xfrm>
+          <a:off x="0" y="0"/>
+          <a:ext cx="0" cy="0"/>
+          <a:chOff x="0" y="0"/>
+          <a:chExt cx="0" cy="0"/>
+        </a:xfrm>
+      </p:grpSpPr>
+      <p:sp>
+        <p:nvSpPr>
+          <p:cNvPr id="11" name="Rectangle 10">
+            <a:extLst>
+              <a:ext uri="{FF2B5EF4-FFF2-40B4-BE49-F238E27FC236}">
+                <a16:creationId xmlns:a16="http://schemas.microsoft.com/office/drawing/2014/main" id="{341EBB5C-E546-2646-94D2-4510ECAD4750}"/>
+              </a:ext>
+            </a:extLst>
+          </p:cNvPr>
+          <p:cNvSpPr/>
+          <p:nvPr/>
+        </p:nvSpPr>
+        <p:spPr>
+          <a:xfrm>
+            <a:off x="-11153" y="266849"/>
+            <a:ext cx="12203153" cy="848273"/>
+          </a:xfrm>
+          <a:prstGeom prst="rect">
+            <a:avLst/>
+          </a:prstGeom>
+          <a:solidFill>
+            <a:schemeClr val="accent4">
+              <a:lumMod val="60000"/>
+              <a:lumOff val="40000"/>
+            </a:schemeClr>
+          </a:solidFill>
+          <a:ln>
+            <a:noFill/>
+          </a:ln>
+        </p:spPr>
+        <p:style>
+          <a:lnRef idx="2">
+            <a:schemeClr val="accent1">
+              <a:shade val="50000"/>
+            </a:schemeClr>
+          </a:lnRef>
+          <a:fillRef idx="1">
+            <a:schemeClr val="accent1"/>
+          </a:fillRef>
+          <a:effectRef idx="0">
+            <a:schemeClr val="accent1"/>
+          </a:effectRef>
+          <a:fontRef idx="minor">
+            <a:schemeClr val="lt1"/>
+          </a:fontRef>
+        </p:style>
+        <p:txBody>
+          <a:bodyPr rtlCol="0" anchor="ctr"/>
+          <a:lstStyle/>
+          <a:p>
+            <a:pPr algn="ctr"/>
+            <a:endParaRPr lang="en-US"/>
+          </a:p>
+        </p:txBody>
+      </p:sp>
+      <p:sp>
+        <p:nvSpPr>
+          <p:cNvPr id="8" name="Rectangle 7">
+            <a:extLst>
+              <a:ext uri="{FF2B5EF4-FFF2-40B4-BE49-F238E27FC236}">
+                <a16:creationId xmlns:a16="http://schemas.microsoft.com/office/drawing/2014/main" id="{45F4A2D5-CE72-0C49-976D-B7BBDEE4141D}"/>
+              </a:ext>
+            </a:extLst>
+          </p:cNvPr>
+          <p:cNvSpPr/>
+          <p:nvPr/>
+        </p:nvSpPr>
+        <p:spPr>
+          <a:xfrm>
+            <a:off x="-11152" y="-11151"/>
+            <a:ext cx="12203151" cy="271849"/>
+          </a:xfrm>
+          <a:prstGeom prst="rect">
+            <a:avLst/>
+          </a:prstGeom>
+          <a:solidFill>
+            <a:schemeClr val="accent4">
+              <a:lumMod val="75000"/>
+            </a:schemeClr>
+          </a:solidFill>
+          <a:ln>
+            <a:solidFill>
+              <a:schemeClr val="tx1"/>
+            </a:solidFill>
+          </a:ln>
+        </p:spPr>
+        <p:style>
+          <a:lnRef idx="2">
+            <a:schemeClr val="accent1">
+              <a:shade val="50000"/>
+            </a:schemeClr>
+          </a:lnRef>
+          <a:fillRef idx="1">
+            <a:schemeClr val="accent1"/>
+          </a:fillRef>
+          <a:effectRef idx="0">
+            <a:schemeClr val="accent1"/>
+          </a:effectRef>
+          <a:fontRef idx="minor">
+            <a:schemeClr val="lt1"/>
+          </a:fontRef>
+        </p:style>
+        <p:txBody>
+          <a:bodyPr rtlCol="0" anchor="ctr"/>
+          <a:lstStyle/>
+          <a:p>
+            <a:pPr algn="ctr"/>
+            <a:endParaRPr lang="en-US"/>
+          </a:p>
+        </p:txBody>
+      </p:sp>
+      <p:sp>
+        <p:nvSpPr>
+          <p:cNvPr id="9" name="Rectangle 8">
+            <a:extLst>
+              <a:ext uri="{FF2B5EF4-FFF2-40B4-BE49-F238E27FC236}">
+                <a16:creationId xmlns:a16="http://schemas.microsoft.com/office/drawing/2014/main" id="{406B5DA4-C124-6140-A64E-FA64FBD3EA33}"/>
+              </a:ext>
+            </a:extLst>
+          </p:cNvPr>
+          <p:cNvSpPr/>
+          <p:nvPr/>
+        </p:nvSpPr>
+        <p:spPr>
+          <a:xfrm>
+            <a:off x="6096000" y="-11151"/>
+            <a:ext cx="6095999" cy="271849"/>
+          </a:xfrm>
+          <a:prstGeom prst="rect">
+            <a:avLst/>
+          </a:prstGeom>
+          <a:solidFill>
+            <a:schemeClr val="accent1">
+              <a:lumMod val="75000"/>
+            </a:schemeClr>
+          </a:solidFill>
+          <a:ln>
+            <a:solidFill>
+              <a:schemeClr val="tx1"/>
+            </a:solidFill>
+          </a:ln>
+        </p:spPr>
+        <p:style>
+          <a:lnRef idx="2">
+            <a:schemeClr val="accent1">
+              <a:shade val="50000"/>
+            </a:schemeClr>
+          </a:lnRef>
+          <a:fillRef idx="1">
+            <a:schemeClr val="accent1"/>
+          </a:fillRef>
+          <a:effectRef idx="0">
+            <a:schemeClr val="accent1"/>
+          </a:effectRef>
+          <a:fontRef idx="minor">
+            <a:schemeClr val="lt1"/>
+          </a:fontRef>
+        </p:style>
+        <p:txBody>
+          <a:bodyPr rtlCol="0" anchor="ctr"/>
+          <a:lstStyle/>
+          <a:p>
+            <a:pPr algn="ctr"/>
+            <a:endParaRPr lang="en-US"/>
+          </a:p>
+        </p:txBody>
+      </p:sp>
+      <p:sp>
+        <p:nvSpPr>
+          <p:cNvPr id="10" name="TextBox 9">
+            <a:extLst>
+              <a:ext uri="{FF2B5EF4-FFF2-40B4-BE49-F238E27FC236}">
+                <a16:creationId xmlns:a16="http://schemas.microsoft.com/office/drawing/2014/main" id="{1DDC0C0D-A014-3A40-B55A-0110A325562C}"/>
+              </a:ext>
+            </a:extLst>
+          </p:cNvPr>
+          <p:cNvSpPr txBox="1"/>
+          <p:nvPr/>
+        </p:nvSpPr>
+        <p:spPr>
+          <a:xfrm>
+            <a:off x="4942703" y="-44504"/>
+            <a:ext cx="1257375" cy="338554"/>
+          </a:xfrm>
+          <a:prstGeom prst="rect">
+            <a:avLst/>
+          </a:prstGeom>
+          <a:noFill/>
+        </p:spPr>
+        <p:txBody>
+          <a:bodyPr wrap="square" rtlCol="0">
+            <a:spAutoFit/>
+          </a:bodyPr>
+          <a:lstStyle/>
+          <a:p>
+            <a:r>
+              <a:rPr lang="en-US" sz="1600" dirty="0"/>
+              <a:t>Conclusions</a:t>
+            </a:r>
+          </a:p>
+        </p:txBody>
+      </p:sp>
+      <p:sp>
+        <p:nvSpPr>
+          <p:cNvPr id="13" name="Slide Number Placeholder 12">
+            <a:extLst>
+              <a:ext uri="{FF2B5EF4-FFF2-40B4-BE49-F238E27FC236}">
+                <a16:creationId xmlns:a16="http://schemas.microsoft.com/office/drawing/2014/main" id="{BC4B6988-1446-CE48-805B-86DE5C75E6F1}"/>
+              </a:ext>
+            </a:extLst>
+          </p:cNvPr>
+          <p:cNvSpPr>
+            <a:spLocks noGrp="1"/>
+          </p:cNvSpPr>
+          <p:nvPr>
+            <p:ph type="sldNum" sz="quarter" idx="12"/>
+          </p:nvPr>
+        </p:nvSpPr>
+        <p:spPr/>
+        <p:txBody>
+          <a:bodyPr/>
+          <a:lstStyle/>
+          <a:p>
+            <a:fld id="{65474944-1CC5-1C47-81B3-697EFA724E71}" type="slidenum">
+              <a:rPr lang="en-US" smtClean="0"/>
+              <a:t>14</a:t>
             </a:fld>
             <a:endParaRPr lang="en-US"/>
           </a:p>
@@ -10361,7 +11328,7 @@
         </p:nvSpPr>
         <p:spPr>
           <a:xfrm>
-            <a:off x="128239" y="93156"/>
+            <a:off x="128239" y="78868"/>
             <a:ext cx="10515600" cy="1325563"/>
           </a:xfrm>
         </p:spPr>
@@ -10910,8 +11877,8 @@
         </p:nvSpPr>
         <p:spPr>
           <a:xfrm>
-            <a:off x="-11153" y="266849"/>
-            <a:ext cx="12203153" cy="848273"/>
+            <a:off x="-11153" y="266848"/>
+            <a:ext cx="12203153" cy="950976"/>
           </a:xfrm>
           <a:prstGeom prst="rect">
             <a:avLst/>
@@ -10969,7 +11936,7 @@
         </p:nvSpPr>
         <p:spPr>
           <a:xfrm>
-            <a:off x="128239" y="22302"/>
+            <a:off x="74924" y="79554"/>
             <a:ext cx="12550698" cy="1325563"/>
           </a:xfrm>
         </p:spPr>
@@ -10987,7 +11954,7 @@
               <a:rPr lang="en-US" dirty="0"/>
             </a:br>
             <a:r>
-              <a:rPr lang="en-US" sz="2000" dirty="0"/>
+              <a:rPr lang="en-US" sz="2700" dirty="0"/>
               <a:t>Using the Torch computational framework</a:t>
             </a:r>
             <a:endParaRPr lang="en-US" dirty="0"/>
@@ -11186,7 +12153,7 @@
           <p:nvPr/>
         </p:nvPicPr>
         <p:blipFill>
-          <a:blip r:embed="rId2"/>
+          <a:blip r:embed="rId3"/>
           <a:stretch>
             <a:fillRect/>
           </a:stretch>
